--- a/Notes/Powerpoints/Chain Of Responsibility.pptx
+++ b/Notes/Powerpoints/Chain Of Responsibility.pptx
@@ -5,13 +5,11 @@
     <p:sldMasterId id="2147483648" r:id="rId1"/>
   </p:sldMasterIdLst>
   <p:sldIdLst>
-    <p:sldId id="256" r:id="rId2"/>
-    <p:sldId id="258" r:id="rId3"/>
-    <p:sldId id="263" r:id="rId4"/>
-    <p:sldId id="261" r:id="rId5"/>
-    <p:sldId id="262" r:id="rId6"/>
-    <p:sldId id="264" r:id="rId7"/>
-    <p:sldId id="265" r:id="rId8"/>
+    <p:sldId id="266" r:id="rId2"/>
+    <p:sldId id="256" r:id="rId3"/>
+    <p:sldId id="267" r:id="rId4"/>
+    <p:sldId id="258" r:id="rId5"/>
+    <p:sldId id="265" r:id="rId6"/>
   </p:sldIdLst>
   <p:sldSz cx="12192000" cy="6858000"/>
   <p:notesSz cx="6858000" cy="9144000"/>
@@ -110,6 +108,11 @@
       </a:defRPr>
     </a:lvl9pPr>
   </p:defaultTextStyle>
+  <p:extLst>
+    <p:ext uri="{EFAFB233-063F-42B5-8137-9DF3F51BA10A}">
+      <p15:sldGuideLst xmlns:p15="http://schemas.microsoft.com/office/powerpoint/2012/main"/>
+    </p:ext>
+  </p:extLst>
 </p:presentation>
 </file>
 
@@ -1224,7 +1227,7 @@
             <a:fld id="{B61BEF0D-F0BB-DE4B-95CE-6DB70DBA9567}" type="datetimeFigureOut">
               <a:rPr lang="en-US" dirty="0"/>
               <a:pPr/>
-              <a:t>5/17/2019</a:t>
+              <a:t>1/30/2020</a:t>
             </a:fld>
             <a:endParaRPr lang="en-US" dirty="0"/>
           </a:p>
@@ -1472,7 +1475,7 @@
             <a:fld id="{B61BEF0D-F0BB-DE4B-95CE-6DB70DBA9567}" type="datetimeFigureOut">
               <a:rPr lang="en-US" dirty="0"/>
               <a:pPr/>
-              <a:t>5/17/2019</a:t>
+              <a:t>1/30/2020</a:t>
             </a:fld>
             <a:endParaRPr lang="en-US" dirty="0"/>
           </a:p>
@@ -1783,7 +1786,7 @@
             <a:fld id="{B61BEF0D-F0BB-DE4B-95CE-6DB70DBA9567}" type="datetimeFigureOut">
               <a:rPr lang="en-US" dirty="0"/>
               <a:pPr/>
-              <a:t>5/17/2019</a:t>
+              <a:t>1/30/2020</a:t>
             </a:fld>
             <a:endParaRPr lang="en-US" dirty="0"/>
           </a:p>
@@ -2121,7 +2124,7 @@
             <a:fld id="{B61BEF0D-F0BB-DE4B-95CE-6DB70DBA9567}" type="datetimeFigureOut">
               <a:rPr lang="en-US" dirty="0"/>
               <a:pPr/>
-              <a:t>5/17/2019</a:t>
+              <a:t>1/30/2020</a:t>
             </a:fld>
             <a:endParaRPr lang="en-US" dirty="0"/>
           </a:p>
@@ -2432,7 +2435,7 @@
             <a:fld id="{B61BEF0D-F0BB-DE4B-95CE-6DB70DBA9567}" type="datetimeFigureOut">
               <a:rPr lang="en-US" dirty="0"/>
               <a:pPr/>
-              <a:t>5/17/2019</a:t>
+              <a:t>1/30/2020</a:t>
             </a:fld>
             <a:endParaRPr lang="en-US" dirty="0"/>
           </a:p>
@@ -2822,7 +2825,7 @@
             <a:fld id="{B61BEF0D-F0BB-DE4B-95CE-6DB70DBA9567}" type="datetimeFigureOut">
               <a:rPr lang="en-US" dirty="0"/>
               <a:pPr/>
-              <a:t>5/17/2019</a:t>
+              <a:t>1/30/2020</a:t>
             </a:fld>
             <a:endParaRPr lang="en-US" dirty="0"/>
           </a:p>
@@ -2988,7 +2991,7 @@
           <a:p>
             <a:fld id="{55C6B4A9-1611-4792-9094-5F34BCA07E0B}" type="datetimeFigureOut">
               <a:rPr lang="en-US" dirty="0"/>
-              <a:t>5/17/2019</a:t>
+              <a:t>1/30/2020</a:t>
             </a:fld>
             <a:endParaRPr lang="en-US" dirty="0"/>
           </a:p>
@@ -3164,7 +3167,7 @@
             <a:fld id="{B61BEF0D-F0BB-DE4B-95CE-6DB70DBA9567}" type="datetimeFigureOut">
               <a:rPr lang="en-US" dirty="0"/>
               <a:pPr/>
-              <a:t>5/17/2019</a:t>
+              <a:t>1/30/2020</a:t>
             </a:fld>
             <a:endParaRPr lang="en-US" dirty="0"/>
           </a:p>
@@ -3337,7 +3340,7 @@
             <a:fld id="{B61BEF0D-F0BB-DE4B-95CE-6DB70DBA9567}" type="datetimeFigureOut">
               <a:rPr lang="en-US" dirty="0"/>
               <a:pPr/>
-              <a:t>5/17/2019</a:t>
+              <a:t>1/30/2020</a:t>
             </a:fld>
             <a:endParaRPr lang="en-US" dirty="0"/>
           </a:p>
@@ -3581,7 +3584,7 @@
             <a:fld id="{B61BEF0D-F0BB-DE4B-95CE-6DB70DBA9567}" type="datetimeFigureOut">
               <a:rPr lang="en-US" dirty="0"/>
               <a:pPr/>
-              <a:t>5/17/2019</a:t>
+              <a:t>1/30/2020</a:t>
             </a:fld>
             <a:endParaRPr lang="en-US" dirty="0"/>
           </a:p>
@@ -3809,7 +3812,7 @@
           <a:p>
             <a:fld id="{EB712588-04B1-427B-82EE-E8DB90309F08}" type="datetimeFigureOut">
               <a:rPr lang="en-US" dirty="0"/>
-              <a:t>5/17/2019</a:t>
+              <a:t>1/30/2020</a:t>
             </a:fld>
             <a:endParaRPr lang="en-US" dirty="0"/>
           </a:p>
@@ -4179,7 +4182,7 @@
             <a:fld id="{B61BEF0D-F0BB-DE4B-95CE-6DB70DBA9567}" type="datetimeFigureOut">
               <a:rPr lang="en-US" dirty="0"/>
               <a:pPr/>
-              <a:t>5/17/2019</a:t>
+              <a:t>1/30/2020</a:t>
             </a:fld>
             <a:endParaRPr lang="en-US" dirty="0"/>
           </a:p>
@@ -4299,7 +4302,7 @@
             <a:fld id="{B61BEF0D-F0BB-DE4B-95CE-6DB70DBA9567}" type="datetimeFigureOut">
               <a:rPr lang="en-US" dirty="0"/>
               <a:pPr/>
-              <a:t>5/17/2019</a:t>
+              <a:t>1/30/2020</a:t>
             </a:fld>
             <a:endParaRPr lang="en-US" dirty="0"/>
           </a:p>
@@ -4391,7 +4394,7 @@
             <a:fld id="{B61BEF0D-F0BB-DE4B-95CE-6DB70DBA9567}" type="datetimeFigureOut">
               <a:rPr lang="en-US" dirty="0"/>
               <a:pPr/>
-              <a:t>5/17/2019</a:t>
+              <a:t>1/30/2020</a:t>
             </a:fld>
             <a:endParaRPr lang="en-US" dirty="0"/>
           </a:p>
@@ -4642,7 +4645,7 @@
           <a:p>
             <a:fld id="{42A54C80-263E-416B-A8E0-580EDEADCBDC}" type="datetimeFigureOut">
               <a:rPr lang="en-US" dirty="0"/>
-              <a:t>5/17/2019</a:t>
+              <a:t>1/30/2020</a:t>
             </a:fld>
             <a:endParaRPr lang="en-US" dirty="0"/>
           </a:p>
@@ -4901,7 +4904,7 @@
             <a:fld id="{B61BEF0D-F0BB-DE4B-95CE-6DB70DBA9567}" type="datetimeFigureOut">
               <a:rPr lang="en-US" dirty="0"/>
               <a:pPr/>
-              <a:t>5/17/2019</a:t>
+              <a:t>1/30/2020</a:t>
             </a:fld>
             <a:endParaRPr lang="en-US" dirty="0"/>
           </a:p>
@@ -5641,7 +5644,7 @@
             <a:fld id="{B61BEF0D-F0BB-DE4B-95CE-6DB70DBA9567}" type="datetimeFigureOut">
               <a:rPr lang="en-US" dirty="0"/>
               <a:pPr/>
-              <a:t>5/17/2019</a:t>
+              <a:t>1/30/2020</a:t>
             </a:fld>
             <a:endParaRPr lang="en-US" dirty="0"/>
           </a:p>
@@ -6184,46 +6187,15 @@
           <a:p>
             <a:r>
               <a:rPr lang="en-US" dirty="0"/>
-              <a:t>Design Patterns</a:t>
-            </a:r>
-          </a:p>
-        </p:txBody>
-      </p:sp>
-      <p:sp>
-        <p:nvSpPr>
-          <p:cNvPr id="3" name="Subtitle 2">
-            <a:extLst>
-              <a:ext uri="{FF2B5EF4-FFF2-40B4-BE49-F238E27FC236}">
-                <a16:creationId xmlns:a16="http://schemas.microsoft.com/office/drawing/2014/main" id="{EB069580-9515-4CA1-99E8-D9604888B24F}"/>
-              </a:ext>
-            </a:extLst>
-          </p:cNvPr>
-          <p:cNvSpPr>
-            <a:spLocks noGrp="1"/>
-          </p:cNvSpPr>
-          <p:nvPr>
-            <p:ph type="subTitle" idx="1"/>
-          </p:nvPr>
-        </p:nvSpPr>
-        <p:spPr/>
-        <p:txBody>
-          <a:bodyPr/>
-          <a:lstStyle/>
-          <a:p>
-            <a:r>
-              <a:rPr lang="en-US" dirty="0"/>
-              <a:t>Factory Method</a:t>
-            </a:r>
-          </a:p>
-          <a:p>
-            <a:endParaRPr lang="en-US" dirty="0"/>
+              <a:t>What is your favorite thing about our project or soon to be project?</a:t>
+            </a:r>
           </a:p>
         </p:txBody>
       </p:sp>
     </p:spTree>
     <p:extLst>
       <p:ext uri="{BB962C8B-B14F-4D97-AF65-F5344CB8AC3E}">
-        <p14:creationId xmlns:p14="http://schemas.microsoft.com/office/powerpoint/2010/main" val="3276895302"/>
+        <p14:creationId xmlns:p14="http://schemas.microsoft.com/office/powerpoint/2010/main" val="4172296959"/>
       </p:ext>
     </p:extLst>
   </p:cSld>
@@ -6255,7 +6227,7 @@
           <p:cNvPr id="2" name="Title 1">
             <a:extLst>
               <a:ext uri="{FF2B5EF4-FFF2-40B4-BE49-F238E27FC236}">
-                <a16:creationId xmlns:a16="http://schemas.microsoft.com/office/drawing/2014/main" id="{2ECBD130-1D48-4AF3-A3A8-C5133E2A75A3}"/>
+                <a16:creationId xmlns:a16="http://schemas.microsoft.com/office/drawing/2014/main" id="{1F0E3005-E7D0-471D-8EBA-5DADA2960E16}"/>
               </a:ext>
             </a:extLst>
           </p:cNvPr>
@@ -6263,7 +6235,7 @@
             <a:spLocks noGrp="1"/>
           </p:cNvSpPr>
           <p:nvPr>
-            <p:ph type="title"/>
+            <p:ph type="ctrTitle"/>
           </p:nvPr>
         </p:nvSpPr>
         <p:spPr/>
@@ -6273,17 +6245,17 @@
           <a:p>
             <a:r>
               <a:rPr lang="en-US" dirty="0"/>
-              <a:t>Parts of the Pattern	</a:t>
-            </a:r>
-          </a:p>
-        </p:txBody>
-      </p:sp>
-      <p:sp>
-        <p:nvSpPr>
-          <p:cNvPr id="3" name="Content Placeholder 2">
+              <a:t>Design Patterns</a:t>
+            </a:r>
+          </a:p>
+        </p:txBody>
+      </p:sp>
+      <p:sp>
+        <p:nvSpPr>
+          <p:cNvPr id="3" name="Subtitle 2">
             <a:extLst>
               <a:ext uri="{FF2B5EF4-FFF2-40B4-BE49-F238E27FC236}">
-                <a16:creationId xmlns:a16="http://schemas.microsoft.com/office/drawing/2014/main" id="{90753FE7-C125-47BF-A574-43D69C7586C9}"/>
+                <a16:creationId xmlns:a16="http://schemas.microsoft.com/office/drawing/2014/main" id="{EB069580-9515-4CA1-99E8-D9604888B24F}"/>
               </a:ext>
             </a:extLst>
           </p:cNvPr>
@@ -6291,7 +6263,7 @@
             <a:spLocks noGrp="1"/>
           </p:cNvSpPr>
           <p:nvPr>
-            <p:ph idx="1"/>
+            <p:ph type="subTitle" idx="1"/>
           </p:nvPr>
         </p:nvSpPr>
         <p:spPr/>
@@ -6301,90 +6273,13 @@
           <a:p>
             <a:r>
               <a:rPr lang="en-US" dirty="0"/>
-              <a:t>The </a:t>
-            </a:r>
-            <a:r>
-              <a:rPr lang="en-US" b="1" dirty="0"/>
-              <a:t>Product</a:t>
-            </a:r>
-            <a:r>
-              <a:rPr lang="en-US" dirty="0"/>
-              <a:t> defines the interface of objects the factory method creates</a:t>
-            </a:r>
-          </a:p>
-          <a:p>
-            <a:r>
-              <a:rPr lang="en-US" dirty="0"/>
-              <a:t>The </a:t>
-            </a:r>
-            <a:r>
-              <a:rPr lang="en-US" b="1" dirty="0" err="1"/>
-              <a:t>ConcreteProduct</a:t>
-            </a:r>
-            <a:r>
-              <a:rPr lang="en-US" b="1" dirty="0"/>
-              <a:t> </a:t>
-            </a:r>
-            <a:r>
-              <a:rPr lang="en-US" dirty="0"/>
-              <a:t>implements the product interface</a:t>
-            </a:r>
-          </a:p>
-          <a:p>
-            <a:r>
-              <a:rPr lang="en-US" dirty="0"/>
-              <a:t>The </a:t>
-            </a:r>
-            <a:r>
-              <a:rPr lang="en-US" b="1" dirty="0"/>
-              <a:t>Creator </a:t>
-            </a:r>
-            <a:r>
-              <a:rPr lang="en-US" dirty="0"/>
-              <a:t>declares the factory method, which returns an object of the type </a:t>
-            </a:r>
-            <a:r>
-              <a:rPr lang="en-US" b="1" dirty="0"/>
-              <a:t>Product</a:t>
-            </a:r>
-            <a:r>
-              <a:rPr lang="en-US" dirty="0"/>
-              <a:t>. May provide a default implementation that returns a default </a:t>
-            </a:r>
-            <a:r>
-              <a:rPr lang="en-US" b="1" dirty="0" err="1"/>
-              <a:t>ConcreteProduct</a:t>
-            </a:r>
-            <a:r>
-              <a:rPr lang="en-US" b="1" dirty="0"/>
-              <a:t> </a:t>
-            </a:r>
-            <a:r>
-              <a:rPr lang="en-US" dirty="0"/>
-              <a:t>object</a:t>
-            </a:r>
-          </a:p>
-          <a:p>
-            <a:r>
-              <a:rPr lang="en-US" dirty="0"/>
-              <a:t>The </a:t>
-            </a:r>
-            <a:r>
-              <a:rPr lang="en-US" b="1" dirty="0" err="1"/>
-              <a:t>ConcreteCreator</a:t>
-            </a:r>
-            <a:r>
-              <a:rPr lang="en-US" b="1" dirty="0"/>
-              <a:t> </a:t>
-            </a:r>
-            <a:r>
-              <a:rPr lang="en-US" dirty="0"/>
-              <a:t>overrides the factory method to return an instance of a </a:t>
-            </a:r>
-            <a:r>
-              <a:rPr lang="en-US" b="1" dirty="0" err="1"/>
-              <a:t>ConcreteProduct</a:t>
-            </a:r>
+              <a:t>Chain of Responsibility</a:t>
+            </a:r>
+          </a:p>
+          <a:p>
+            <a:endParaRPr lang="en-US" dirty="0"/>
+          </a:p>
+          <a:p>
             <a:endParaRPr lang="en-US" dirty="0"/>
           </a:p>
         </p:txBody>
@@ -6392,7 +6287,7 @@
     </p:spTree>
     <p:extLst>
       <p:ext uri="{BB962C8B-B14F-4D97-AF65-F5344CB8AC3E}">
-        <p14:creationId xmlns:p14="http://schemas.microsoft.com/office/powerpoint/2010/main" val="2107916926"/>
+        <p14:creationId xmlns:p14="http://schemas.microsoft.com/office/powerpoint/2010/main" val="3276895302"/>
       </p:ext>
     </p:extLst>
   </p:cSld>
@@ -6424,7 +6319,7 @@
           <p:cNvPr id="2" name="Title 1">
             <a:extLst>
               <a:ext uri="{FF2B5EF4-FFF2-40B4-BE49-F238E27FC236}">
-                <a16:creationId xmlns:a16="http://schemas.microsoft.com/office/drawing/2014/main" id="{71E5143A-F61E-4CDD-AF88-7647B7B0AA90}"/>
+                <a16:creationId xmlns:a16="http://schemas.microsoft.com/office/drawing/2014/main" id="{2ECBD130-1D48-4AF3-A3A8-C5133E2A75A3}"/>
               </a:ext>
             </a:extLst>
           </p:cNvPr>
@@ -6435,33 +6330,84 @@
             <p:ph type="title"/>
           </p:nvPr>
         </p:nvSpPr>
-        <p:spPr>
-          <a:xfrm>
-            <a:off x="725460" y="2768600"/>
-            <a:ext cx="8596668" cy="1320800"/>
-          </a:xfrm>
-        </p:spPr>
-        <p:txBody>
-          <a:bodyPr>
-            <a:noAutofit/>
-          </a:bodyPr>
-          <a:lstStyle/>
-          <a:p>
-            <a:r>
-              <a:rPr lang="en-US" sz="6600" dirty="0"/>
-              <a:t>A simple example…</a:t>
-            </a:r>
-            <a:br>
-              <a:rPr lang="en-US" sz="6600" dirty="0"/>
-            </a:br>
-            <a:endParaRPr lang="en-US" sz="6600" dirty="0"/>
+        <p:spPr/>
+        <p:txBody>
+          <a:bodyPr/>
+          <a:lstStyle/>
+          <a:p>
+            <a:r>
+              <a:rPr lang="en-US" dirty="0"/>
+              <a:t>Behavioral Patterns</a:t>
+            </a:r>
+          </a:p>
+        </p:txBody>
+      </p:sp>
+      <p:sp>
+        <p:nvSpPr>
+          <p:cNvPr id="3" name="Content Placeholder 2">
+            <a:extLst>
+              <a:ext uri="{FF2B5EF4-FFF2-40B4-BE49-F238E27FC236}">
+                <a16:creationId xmlns:a16="http://schemas.microsoft.com/office/drawing/2014/main" id="{90753FE7-C125-47BF-A574-43D69C7586C9}"/>
+              </a:ext>
+            </a:extLst>
+          </p:cNvPr>
+          <p:cNvSpPr>
+            <a:spLocks noGrp="1"/>
+          </p:cNvSpPr>
+          <p:nvPr>
+            <p:ph idx="1"/>
+          </p:nvPr>
+        </p:nvSpPr>
+        <p:spPr/>
+        <p:txBody>
+          <a:bodyPr/>
+          <a:lstStyle/>
+          <a:p>
+            <a:r>
+              <a:rPr lang="en-US" dirty="0"/>
+              <a:t>Not only describes the patterns of the objects or classes but the patterns of communication between them.</a:t>
+            </a:r>
+          </a:p>
+          <a:p>
+            <a:pPr lvl="1"/>
+            <a:r>
+              <a:rPr lang="en-US" dirty="0"/>
+              <a:t>They characterize complex control flows that’s difficult to follow at runtime.</a:t>
+            </a:r>
+          </a:p>
+          <a:p>
+            <a:pPr lvl="1"/>
+            <a:r>
+              <a:rPr lang="en-US" dirty="0"/>
+              <a:t>Allows developers to focus less on the flow of control and more about the way objects are connected</a:t>
+            </a:r>
+          </a:p>
+          <a:p>
+            <a:r>
+              <a:rPr lang="en-US" dirty="0"/>
+              <a:t>Uses inheritance rather to distribute behavior (ex: Define an abstract algorithm with common operations and leave it to the </a:t>
+            </a:r>
+            <a:r>
+              <a:rPr lang="en-US" dirty="0" err="1"/>
+              <a:t>sublclasses</a:t>
+            </a:r>
+            <a:r>
+              <a:rPr lang="en-US" dirty="0"/>
+              <a:t> to define other operations) within classes</a:t>
+            </a:r>
+          </a:p>
+          <a:p>
+            <a:r>
+              <a:rPr lang="en-US" dirty="0"/>
+              <a:t>Uses composition in order to describe how peer objects cooperator to perform a task that no single object can carry out by itself.</a:t>
+            </a:r>
           </a:p>
         </p:txBody>
       </p:sp>
     </p:spTree>
     <p:extLst>
       <p:ext uri="{BB962C8B-B14F-4D97-AF65-F5344CB8AC3E}">
-        <p14:creationId xmlns:p14="http://schemas.microsoft.com/office/powerpoint/2010/main" val="1676088841"/>
+        <p14:creationId xmlns:p14="http://schemas.microsoft.com/office/powerpoint/2010/main" val="2061569790"/>
       </p:ext>
     </p:extLst>
   </p:cSld>
@@ -6493,7 +6439,7 @@
           <p:cNvPr id="2" name="Title 1">
             <a:extLst>
               <a:ext uri="{FF2B5EF4-FFF2-40B4-BE49-F238E27FC236}">
-                <a16:creationId xmlns:a16="http://schemas.microsoft.com/office/drawing/2014/main" id="{5CD4ECB1-E32F-4033-A109-06678DF49492}"/>
+                <a16:creationId xmlns:a16="http://schemas.microsoft.com/office/drawing/2014/main" id="{2ECBD130-1D48-4AF3-A3A8-C5133E2A75A3}"/>
               </a:ext>
             </a:extLst>
           </p:cNvPr>
@@ -6511,771 +6457,90 @@
           <a:p>
             <a:r>
               <a:rPr lang="en-US" dirty="0"/>
-              <a:t>Product</a:t>
-            </a:r>
-          </a:p>
-        </p:txBody>
-      </p:sp>
-      <p:sp>
-        <p:nvSpPr>
-          <p:cNvPr id="5" name="TextBox 4">
+              <a:t>Parts of the Pattern	</a:t>
+            </a:r>
+          </a:p>
+        </p:txBody>
+      </p:sp>
+      <p:sp>
+        <p:nvSpPr>
+          <p:cNvPr id="3" name="Content Placeholder 2">
             <a:extLst>
               <a:ext uri="{FF2B5EF4-FFF2-40B4-BE49-F238E27FC236}">
-                <a16:creationId xmlns:a16="http://schemas.microsoft.com/office/drawing/2014/main" id="{FA0EEF4E-F1F0-4BF4-99A7-97D799661DBE}"/>
+                <a16:creationId xmlns:a16="http://schemas.microsoft.com/office/drawing/2014/main" id="{90753FE7-C125-47BF-A574-43D69C7586C9}"/>
               </a:ext>
             </a:extLst>
           </p:cNvPr>
-          <p:cNvSpPr txBox="1"/>
-          <p:nvPr/>
-        </p:nvSpPr>
-        <p:spPr>
-          <a:xfrm>
-            <a:off x="677334" y="1393746"/>
-            <a:ext cx="4170947" cy="1200329"/>
-          </a:xfrm>
-          <a:prstGeom prst="rect">
-            <a:avLst/>
-          </a:prstGeom>
-          <a:noFill/>
-        </p:spPr>
-        <p:txBody>
-          <a:bodyPr wrap="square" rtlCol="0">
-            <a:spAutoFit/>
-          </a:bodyPr>
-          <a:lstStyle/>
-          <a:p>
-            <a:r>
-              <a:rPr lang="en-US" dirty="0">
-                <a:solidFill>
-                  <a:srgbClr val="0000FF"/>
-                </a:solidFill>
-                <a:latin typeface="Consolas" panose="020B0609020204030204" pitchFamily="49" charset="0"/>
-              </a:rPr>
-              <a:t>public</a:t>
-            </a:r>
-            <a:r>
-              <a:rPr lang="en-US" dirty="0">
-                <a:solidFill>
-                  <a:srgbClr val="000000"/>
-                </a:solidFill>
-                <a:latin typeface="Consolas" panose="020B0609020204030204" pitchFamily="49" charset="0"/>
-              </a:rPr>
-              <a:t> </a:t>
-            </a:r>
-            <a:r>
-              <a:rPr lang="en-US" dirty="0">
-                <a:solidFill>
-                  <a:srgbClr val="0000FF"/>
-                </a:solidFill>
-                <a:latin typeface="Consolas" panose="020B0609020204030204" pitchFamily="49" charset="0"/>
-              </a:rPr>
-              <a:t>interface</a:t>
-            </a:r>
-            <a:r>
-              <a:rPr lang="en-US" dirty="0">
-                <a:solidFill>
-                  <a:srgbClr val="000000"/>
-                </a:solidFill>
-                <a:latin typeface="Consolas" panose="020B0609020204030204" pitchFamily="49" charset="0"/>
-              </a:rPr>
-              <a:t> </a:t>
-            </a:r>
-            <a:r>
-              <a:rPr lang="en-US" dirty="0" err="1">
-                <a:solidFill>
-                  <a:srgbClr val="2B91AF"/>
-                </a:solidFill>
-                <a:latin typeface="Consolas" panose="020B0609020204030204" pitchFamily="49" charset="0"/>
-              </a:rPr>
-              <a:t>IPerson</a:t>
-            </a:r>
-            <a:endParaRPr lang="en-US" dirty="0">
-              <a:solidFill>
-                <a:srgbClr val="000000"/>
-              </a:solidFill>
-              <a:latin typeface="Consolas" panose="020B0609020204030204" pitchFamily="49" charset="0"/>
-            </a:endParaRPr>
-          </a:p>
-          <a:p>
-            <a:r>
-              <a:rPr lang="en-US" dirty="0">
-                <a:solidFill>
-                  <a:srgbClr val="000000"/>
-                </a:solidFill>
-                <a:latin typeface="Consolas" panose="020B0609020204030204" pitchFamily="49" charset="0"/>
-              </a:rPr>
-              <a:t>{</a:t>
-            </a:r>
-          </a:p>
-          <a:p>
-            <a:r>
-              <a:rPr lang="en-US" dirty="0">
-                <a:solidFill>
-                  <a:srgbClr val="0000FF"/>
-                </a:solidFill>
-                <a:latin typeface="Consolas" panose="020B0609020204030204" pitchFamily="49" charset="0"/>
-              </a:rPr>
-              <a:t>	string</a:t>
-            </a:r>
-            <a:r>
-              <a:rPr lang="en-US" dirty="0">
-                <a:solidFill>
-                  <a:srgbClr val="000000"/>
-                </a:solidFill>
-                <a:latin typeface="Consolas" panose="020B0609020204030204" pitchFamily="49" charset="0"/>
-              </a:rPr>
-              <a:t> </a:t>
-            </a:r>
-            <a:r>
-              <a:rPr lang="en-US" dirty="0" err="1">
-                <a:solidFill>
-                  <a:srgbClr val="000000"/>
-                </a:solidFill>
-                <a:latin typeface="Consolas" panose="020B0609020204030204" pitchFamily="49" charset="0"/>
-              </a:rPr>
-              <a:t>GetName</a:t>
-            </a:r>
-            <a:r>
-              <a:rPr lang="en-US" dirty="0">
-                <a:solidFill>
-                  <a:srgbClr val="000000"/>
-                </a:solidFill>
-                <a:latin typeface="Consolas" panose="020B0609020204030204" pitchFamily="49" charset="0"/>
-              </a:rPr>
-              <a:t>();</a:t>
-            </a:r>
-          </a:p>
-          <a:p>
-            <a:r>
-              <a:rPr lang="en-US" dirty="0">
-                <a:solidFill>
-                  <a:srgbClr val="000000"/>
-                </a:solidFill>
-                <a:latin typeface="Consolas" panose="020B0609020204030204" pitchFamily="49" charset="0"/>
-              </a:rPr>
-              <a:t>}</a:t>
-            </a:r>
-            <a:endParaRPr lang="en-US" dirty="0"/>
-          </a:p>
-        </p:txBody>
-      </p:sp>
-      <p:sp>
-        <p:nvSpPr>
-          <p:cNvPr id="6" name="Title 1">
-            <a:extLst>
-              <a:ext uri="{FF2B5EF4-FFF2-40B4-BE49-F238E27FC236}">
-                <a16:creationId xmlns:a16="http://schemas.microsoft.com/office/drawing/2014/main" id="{10A35956-B797-4B07-B9DA-FF38E98310C4}"/>
-              </a:ext>
-            </a:extLst>
-          </p:cNvPr>
-          <p:cNvSpPr txBox="1">
-            <a:spLocks/>
-          </p:cNvSpPr>
-          <p:nvPr/>
-        </p:nvSpPr>
-        <p:spPr>
-          <a:xfrm>
-            <a:off x="677334" y="2831431"/>
-            <a:ext cx="8596668" cy="1320800"/>
-          </a:xfrm>
-          <a:prstGeom prst="rect">
-            <a:avLst/>
-          </a:prstGeom>
-        </p:spPr>
-        <p:txBody>
-          <a:bodyPr vert="horz" lIns="91440" tIns="45720" rIns="91440" bIns="45720" rtlCol="0" anchor="t">
-            <a:normAutofit/>
-          </a:bodyPr>
-          <a:lstStyle>
-            <a:lvl1pPr algn="l" defTabSz="457200" rtl="0" eaLnBrk="1" latinLnBrk="0" hangingPunct="1">
-              <a:spcBef>
-                <a:spcPct val="0"/>
-              </a:spcBef>
-              <a:buNone/>
-              <a:defRPr sz="3600" kern="1200">
-                <a:solidFill>
-                  <a:schemeClr val="accent1"/>
-                </a:solidFill>
-                <a:latin typeface="+mj-lt"/>
-                <a:ea typeface="+mj-ea"/>
-                <a:cs typeface="+mj-cs"/>
-              </a:defRPr>
-            </a:lvl1pPr>
-            <a:lvl2pPr eaLnBrk="1" hangingPunct="1">
-              <a:defRPr>
-                <a:solidFill>
-                  <a:schemeClr val="tx2"/>
-                </a:solidFill>
-              </a:defRPr>
-            </a:lvl2pPr>
-            <a:lvl3pPr eaLnBrk="1" hangingPunct="1">
-              <a:defRPr>
-                <a:solidFill>
-                  <a:schemeClr val="tx2"/>
-                </a:solidFill>
-              </a:defRPr>
-            </a:lvl3pPr>
-            <a:lvl4pPr eaLnBrk="1" hangingPunct="1">
-              <a:defRPr>
-                <a:solidFill>
-                  <a:schemeClr val="tx2"/>
-                </a:solidFill>
-              </a:defRPr>
-            </a:lvl4pPr>
-            <a:lvl5pPr eaLnBrk="1" hangingPunct="1">
-              <a:defRPr>
-                <a:solidFill>
-                  <a:schemeClr val="tx2"/>
-                </a:solidFill>
-              </a:defRPr>
-            </a:lvl5pPr>
-            <a:lvl6pPr eaLnBrk="1" hangingPunct="1">
-              <a:defRPr>
-                <a:solidFill>
-                  <a:schemeClr val="tx2"/>
-                </a:solidFill>
-              </a:defRPr>
-            </a:lvl6pPr>
-            <a:lvl7pPr eaLnBrk="1" hangingPunct="1">
-              <a:defRPr>
-                <a:solidFill>
-                  <a:schemeClr val="tx2"/>
-                </a:solidFill>
-              </a:defRPr>
-            </a:lvl7pPr>
-            <a:lvl8pPr eaLnBrk="1" hangingPunct="1">
-              <a:defRPr>
-                <a:solidFill>
-                  <a:schemeClr val="tx2"/>
-                </a:solidFill>
-              </a:defRPr>
-            </a:lvl8pPr>
-            <a:lvl9pPr eaLnBrk="1" hangingPunct="1">
-              <a:defRPr>
-                <a:solidFill>
-                  <a:schemeClr val="tx2"/>
-                </a:solidFill>
-              </a:defRPr>
-            </a:lvl9pPr>
-          </a:lstStyle>
+          <p:cNvSpPr>
+            <a:spLocks noGrp="1"/>
+          </p:cNvSpPr>
+          <p:nvPr>
+            <p:ph idx="1"/>
+          </p:nvPr>
+        </p:nvSpPr>
+        <p:spPr/>
+        <p:txBody>
+          <a:bodyPr/>
+          <a:lstStyle/>
           <a:p>
             <a:r>
               <a:rPr lang="en-US" dirty="0"/>
-              <a:t>Concrete Products</a:t>
-            </a:r>
-          </a:p>
-        </p:txBody>
-      </p:sp>
-      <p:sp>
-        <p:nvSpPr>
-          <p:cNvPr id="7" name="TextBox 6">
-            <a:extLst>
-              <a:ext uri="{FF2B5EF4-FFF2-40B4-BE49-F238E27FC236}">
-                <a16:creationId xmlns:a16="http://schemas.microsoft.com/office/drawing/2014/main" id="{BD18365E-E16A-417B-9160-2333A5145FD8}"/>
-              </a:ext>
-            </a:extLst>
-          </p:cNvPr>
-          <p:cNvSpPr txBox="1"/>
-          <p:nvPr/>
-        </p:nvSpPr>
-        <p:spPr>
-          <a:xfrm>
-            <a:off x="677334" y="3491831"/>
-            <a:ext cx="5021179" cy="2093593"/>
-          </a:xfrm>
-          <a:prstGeom prst="rect">
-            <a:avLst/>
-          </a:prstGeom>
-          <a:noFill/>
-        </p:spPr>
-        <p:txBody>
-          <a:bodyPr wrap="square" rtlCol="0">
-            <a:spAutoFit/>
-          </a:bodyPr>
-          <a:lstStyle/>
-          <a:p>
-            <a:r>
-              <a:rPr lang="en-US" dirty="0">
-                <a:solidFill>
-                  <a:srgbClr val="0000FF"/>
-                </a:solidFill>
-                <a:latin typeface="Consolas" panose="020B0609020204030204" pitchFamily="49" charset="0"/>
-              </a:rPr>
-              <a:t>public</a:t>
-            </a:r>
-            <a:r>
-              <a:rPr lang="en-US" dirty="0">
-                <a:solidFill>
-                  <a:srgbClr val="000000"/>
-                </a:solidFill>
-                <a:latin typeface="Consolas" panose="020B0609020204030204" pitchFamily="49" charset="0"/>
-              </a:rPr>
-              <a:t> </a:t>
-            </a:r>
-            <a:r>
-              <a:rPr lang="en-US" dirty="0">
-                <a:solidFill>
-                  <a:srgbClr val="0000FF"/>
-                </a:solidFill>
-                <a:latin typeface="Consolas" panose="020B0609020204030204" pitchFamily="49" charset="0"/>
-              </a:rPr>
-              <a:t>class</a:t>
-            </a:r>
-            <a:r>
-              <a:rPr lang="en-US" dirty="0">
-                <a:solidFill>
-                  <a:srgbClr val="000000"/>
-                </a:solidFill>
-                <a:latin typeface="Consolas" panose="020B0609020204030204" pitchFamily="49" charset="0"/>
-              </a:rPr>
-              <a:t> </a:t>
-            </a:r>
-            <a:r>
-              <a:rPr lang="en-US" dirty="0">
-                <a:solidFill>
-                  <a:srgbClr val="2B91AF"/>
-                </a:solidFill>
-                <a:latin typeface="Consolas" panose="020B0609020204030204" pitchFamily="49" charset="0"/>
-              </a:rPr>
-              <a:t>Villager</a:t>
-            </a:r>
-            <a:r>
-              <a:rPr lang="en-US" dirty="0">
-                <a:solidFill>
-                  <a:srgbClr val="000000"/>
-                </a:solidFill>
-                <a:latin typeface="Consolas" panose="020B0609020204030204" pitchFamily="49" charset="0"/>
-              </a:rPr>
-              <a:t> : </a:t>
-            </a:r>
-            <a:r>
-              <a:rPr lang="en-US" dirty="0" err="1">
-                <a:solidFill>
-                  <a:srgbClr val="2B91AF"/>
-                </a:solidFill>
-                <a:latin typeface="Consolas" panose="020B0609020204030204" pitchFamily="49" charset="0"/>
-              </a:rPr>
-              <a:t>IPerson</a:t>
-            </a:r>
-            <a:endParaRPr lang="en-US" dirty="0">
-              <a:solidFill>
-                <a:srgbClr val="2B91AF"/>
-              </a:solidFill>
-              <a:latin typeface="Consolas" panose="020B0609020204030204" pitchFamily="49" charset="0"/>
-            </a:endParaRPr>
-          </a:p>
-          <a:p>
-            <a:r>
-              <a:rPr lang="en-US" dirty="0">
-                <a:solidFill>
-                  <a:srgbClr val="000000"/>
-                </a:solidFill>
-                <a:latin typeface="Consolas" panose="020B0609020204030204" pitchFamily="49" charset="0"/>
-              </a:rPr>
-              <a:t>{</a:t>
-            </a:r>
-          </a:p>
-          <a:p>
-            <a:r>
-              <a:rPr lang="en-US" dirty="0">
-                <a:solidFill>
-                  <a:srgbClr val="000000"/>
-                </a:solidFill>
-                <a:latin typeface="Consolas" panose="020B0609020204030204" pitchFamily="49" charset="0"/>
-              </a:rPr>
-              <a:t>    </a:t>
-            </a:r>
-            <a:r>
-              <a:rPr lang="en-US" dirty="0">
-                <a:solidFill>
-                  <a:srgbClr val="0000FF"/>
-                </a:solidFill>
-                <a:latin typeface="Consolas" panose="020B0609020204030204" pitchFamily="49" charset="0"/>
-              </a:rPr>
-              <a:t>public</a:t>
-            </a:r>
-            <a:r>
-              <a:rPr lang="en-US" dirty="0">
-                <a:solidFill>
-                  <a:srgbClr val="000000"/>
-                </a:solidFill>
-                <a:latin typeface="Consolas" panose="020B0609020204030204" pitchFamily="49" charset="0"/>
-              </a:rPr>
-              <a:t> </a:t>
-            </a:r>
-            <a:r>
-              <a:rPr lang="en-US" dirty="0">
-                <a:solidFill>
-                  <a:srgbClr val="0000FF"/>
-                </a:solidFill>
-                <a:latin typeface="Consolas" panose="020B0609020204030204" pitchFamily="49" charset="0"/>
-              </a:rPr>
-              <a:t>string</a:t>
-            </a:r>
-            <a:r>
-              <a:rPr lang="en-US" dirty="0">
-                <a:solidFill>
-                  <a:srgbClr val="000000"/>
-                </a:solidFill>
-                <a:latin typeface="Consolas" panose="020B0609020204030204" pitchFamily="49" charset="0"/>
-              </a:rPr>
-              <a:t> </a:t>
-            </a:r>
-            <a:r>
-              <a:rPr lang="en-US" dirty="0" err="1">
-                <a:solidFill>
-                  <a:srgbClr val="000000"/>
-                </a:solidFill>
-                <a:latin typeface="Consolas" panose="020B0609020204030204" pitchFamily="49" charset="0"/>
-              </a:rPr>
-              <a:t>GetName</a:t>
-            </a:r>
-            <a:r>
-              <a:rPr lang="en-US" dirty="0">
-                <a:solidFill>
-                  <a:srgbClr val="000000"/>
-                </a:solidFill>
-                <a:latin typeface="Consolas" panose="020B0609020204030204" pitchFamily="49" charset="0"/>
-              </a:rPr>
-              <a:t>()</a:t>
-            </a:r>
-          </a:p>
-          <a:p>
-            <a:r>
-              <a:rPr lang="en-US" dirty="0">
-                <a:solidFill>
-                  <a:srgbClr val="000000"/>
-                </a:solidFill>
-                <a:latin typeface="Consolas" panose="020B0609020204030204" pitchFamily="49" charset="0"/>
-              </a:rPr>
-              <a:t>    {</a:t>
-            </a:r>
-          </a:p>
-          <a:p>
-            <a:r>
-              <a:rPr lang="en-US" dirty="0">
-                <a:solidFill>
-                  <a:srgbClr val="000000"/>
-                </a:solidFill>
-                <a:latin typeface="Consolas" panose="020B0609020204030204" pitchFamily="49" charset="0"/>
-              </a:rPr>
-              <a:t>        </a:t>
-            </a:r>
-            <a:r>
-              <a:rPr lang="en-US" dirty="0">
-                <a:solidFill>
-                  <a:srgbClr val="0000FF"/>
-                </a:solidFill>
-                <a:latin typeface="Consolas" panose="020B0609020204030204" pitchFamily="49" charset="0"/>
-              </a:rPr>
-              <a:t>return</a:t>
-            </a:r>
-            <a:r>
-              <a:rPr lang="en-US" dirty="0">
-                <a:solidFill>
-                  <a:srgbClr val="000000"/>
-                </a:solidFill>
-                <a:latin typeface="Consolas" panose="020B0609020204030204" pitchFamily="49" charset="0"/>
-              </a:rPr>
-              <a:t> </a:t>
-            </a:r>
-            <a:r>
-              <a:rPr lang="en-US" dirty="0">
-                <a:solidFill>
-                  <a:srgbClr val="A31515"/>
-                </a:solidFill>
-                <a:latin typeface="Consolas" panose="020B0609020204030204" pitchFamily="49" charset="0"/>
-              </a:rPr>
-              <a:t>"Village Person"</a:t>
-            </a:r>
-            <a:r>
-              <a:rPr lang="en-US" dirty="0">
-                <a:solidFill>
-                  <a:srgbClr val="000000"/>
-                </a:solidFill>
-                <a:latin typeface="Consolas" panose="020B0609020204030204" pitchFamily="49" charset="0"/>
-              </a:rPr>
-              <a:t>;</a:t>
-            </a:r>
-          </a:p>
-          <a:p>
-            <a:r>
-              <a:rPr lang="en-US" dirty="0">
-                <a:solidFill>
-                  <a:srgbClr val="000000"/>
-                </a:solidFill>
-                <a:latin typeface="Consolas" panose="020B0609020204030204" pitchFamily="49" charset="0"/>
-              </a:rPr>
-              <a:t>    }</a:t>
-            </a:r>
-          </a:p>
-          <a:p>
-            <a:r>
-              <a:rPr lang="en-US" dirty="0">
-                <a:solidFill>
-                  <a:srgbClr val="000000"/>
-                </a:solidFill>
-                <a:latin typeface="Consolas" panose="020B0609020204030204" pitchFamily="49" charset="0"/>
-              </a:rPr>
-              <a:t>}</a:t>
-            </a:r>
-            <a:endParaRPr lang="en-US" dirty="0"/>
-          </a:p>
-        </p:txBody>
-      </p:sp>
-      <p:sp>
-        <p:nvSpPr>
-          <p:cNvPr id="8" name="TextBox 7">
-            <a:extLst>
-              <a:ext uri="{FF2B5EF4-FFF2-40B4-BE49-F238E27FC236}">
-                <a16:creationId xmlns:a16="http://schemas.microsoft.com/office/drawing/2014/main" id="{CE2417FB-A5A4-4E79-96DD-8B9E68DD5729}"/>
-              </a:ext>
-            </a:extLst>
-          </p:cNvPr>
-          <p:cNvSpPr txBox="1"/>
-          <p:nvPr/>
-        </p:nvSpPr>
-        <p:spPr>
-          <a:xfrm>
-            <a:off x="5244373" y="3429000"/>
-            <a:ext cx="4483769" cy="2031325"/>
-          </a:xfrm>
-          <a:prstGeom prst="rect">
-            <a:avLst/>
-          </a:prstGeom>
-          <a:noFill/>
-        </p:spPr>
-        <p:txBody>
-          <a:bodyPr wrap="square" rtlCol="0">
-            <a:spAutoFit/>
-          </a:bodyPr>
-          <a:lstStyle/>
-          <a:p>
-            <a:r>
-              <a:rPr lang="en-US" dirty="0">
-                <a:solidFill>
-                  <a:srgbClr val="0000FF"/>
-                </a:solidFill>
-                <a:latin typeface="Consolas" panose="020B0609020204030204" pitchFamily="49" charset="0"/>
-              </a:rPr>
-              <a:t>public</a:t>
-            </a:r>
-            <a:r>
-              <a:rPr lang="en-US" dirty="0">
-                <a:solidFill>
-                  <a:srgbClr val="000000"/>
-                </a:solidFill>
-                <a:latin typeface="Consolas" panose="020B0609020204030204" pitchFamily="49" charset="0"/>
-              </a:rPr>
-              <a:t> </a:t>
-            </a:r>
-            <a:r>
-              <a:rPr lang="en-US" dirty="0">
-                <a:solidFill>
-                  <a:srgbClr val="0000FF"/>
-                </a:solidFill>
-                <a:latin typeface="Consolas" panose="020B0609020204030204" pitchFamily="49" charset="0"/>
-              </a:rPr>
-              <a:t>class</a:t>
-            </a:r>
-            <a:r>
-              <a:rPr lang="en-US" dirty="0">
-                <a:solidFill>
-                  <a:srgbClr val="000000"/>
-                </a:solidFill>
-                <a:latin typeface="Consolas" panose="020B0609020204030204" pitchFamily="49" charset="0"/>
-              </a:rPr>
-              <a:t> </a:t>
-            </a:r>
-            <a:r>
-              <a:rPr lang="en-US" dirty="0" err="1">
-                <a:solidFill>
-                  <a:srgbClr val="2B91AF"/>
-                </a:solidFill>
-                <a:latin typeface="Consolas" panose="020B0609020204030204" pitchFamily="49" charset="0"/>
-              </a:rPr>
-              <a:t>CityPerson</a:t>
-            </a:r>
-            <a:r>
-              <a:rPr lang="en-US" dirty="0">
-                <a:solidFill>
-                  <a:srgbClr val="000000"/>
-                </a:solidFill>
-                <a:latin typeface="Consolas" panose="020B0609020204030204" pitchFamily="49" charset="0"/>
-              </a:rPr>
-              <a:t> : </a:t>
-            </a:r>
-            <a:r>
-              <a:rPr lang="en-US" dirty="0" err="1">
-                <a:solidFill>
-                  <a:srgbClr val="2B91AF"/>
-                </a:solidFill>
-                <a:latin typeface="Consolas" panose="020B0609020204030204" pitchFamily="49" charset="0"/>
-              </a:rPr>
-              <a:t>IPerson</a:t>
-            </a:r>
-            <a:endParaRPr lang="en-US" dirty="0">
-              <a:solidFill>
-                <a:srgbClr val="2B91AF"/>
-              </a:solidFill>
-              <a:latin typeface="Consolas" panose="020B0609020204030204" pitchFamily="49" charset="0"/>
-            </a:endParaRPr>
-          </a:p>
-          <a:p>
-            <a:r>
-              <a:rPr lang="en-US" dirty="0">
-                <a:solidFill>
-                  <a:srgbClr val="000000"/>
-                </a:solidFill>
-                <a:latin typeface="Consolas" panose="020B0609020204030204" pitchFamily="49" charset="0"/>
-              </a:rPr>
-              <a:t>{</a:t>
-            </a:r>
-          </a:p>
-          <a:p>
-            <a:r>
-              <a:rPr lang="en-US" dirty="0">
-                <a:solidFill>
-                  <a:srgbClr val="000000"/>
-                </a:solidFill>
-                <a:latin typeface="Consolas" panose="020B0609020204030204" pitchFamily="49" charset="0"/>
-              </a:rPr>
-              <a:t>    </a:t>
-            </a:r>
-            <a:r>
-              <a:rPr lang="en-US" dirty="0">
-                <a:solidFill>
-                  <a:srgbClr val="0000FF"/>
-                </a:solidFill>
-                <a:latin typeface="Consolas" panose="020B0609020204030204" pitchFamily="49" charset="0"/>
-              </a:rPr>
-              <a:t>public</a:t>
-            </a:r>
-            <a:r>
-              <a:rPr lang="en-US" dirty="0">
-                <a:solidFill>
-                  <a:srgbClr val="000000"/>
-                </a:solidFill>
-                <a:latin typeface="Consolas" panose="020B0609020204030204" pitchFamily="49" charset="0"/>
-              </a:rPr>
-              <a:t> </a:t>
-            </a:r>
-            <a:r>
-              <a:rPr lang="en-US" dirty="0">
-                <a:solidFill>
-                  <a:srgbClr val="0000FF"/>
-                </a:solidFill>
-                <a:latin typeface="Consolas" panose="020B0609020204030204" pitchFamily="49" charset="0"/>
-              </a:rPr>
-              <a:t>string</a:t>
-            </a:r>
-            <a:r>
-              <a:rPr lang="en-US" dirty="0">
-                <a:solidFill>
-                  <a:srgbClr val="000000"/>
-                </a:solidFill>
-                <a:latin typeface="Consolas" panose="020B0609020204030204" pitchFamily="49" charset="0"/>
-              </a:rPr>
-              <a:t> </a:t>
-            </a:r>
-            <a:r>
-              <a:rPr lang="en-US" dirty="0" err="1">
-                <a:solidFill>
-                  <a:srgbClr val="000000"/>
-                </a:solidFill>
-                <a:latin typeface="Consolas" panose="020B0609020204030204" pitchFamily="49" charset="0"/>
-              </a:rPr>
-              <a:t>GetName</a:t>
-            </a:r>
-            <a:r>
-              <a:rPr lang="en-US" dirty="0">
-                <a:solidFill>
-                  <a:srgbClr val="000000"/>
-                </a:solidFill>
-                <a:latin typeface="Consolas" panose="020B0609020204030204" pitchFamily="49" charset="0"/>
-              </a:rPr>
-              <a:t>()</a:t>
-            </a:r>
-          </a:p>
-          <a:p>
-            <a:r>
-              <a:rPr lang="en-US" dirty="0">
-                <a:solidFill>
-                  <a:srgbClr val="000000"/>
-                </a:solidFill>
-                <a:latin typeface="Consolas" panose="020B0609020204030204" pitchFamily="49" charset="0"/>
-              </a:rPr>
-              <a:t>    {</a:t>
-            </a:r>
-          </a:p>
-          <a:p>
-            <a:r>
-              <a:rPr lang="en-US" dirty="0">
-                <a:solidFill>
-                  <a:srgbClr val="000000"/>
-                </a:solidFill>
-                <a:latin typeface="Consolas" panose="020B0609020204030204" pitchFamily="49" charset="0"/>
-              </a:rPr>
-              <a:t>        </a:t>
-            </a:r>
-            <a:r>
-              <a:rPr lang="en-US" dirty="0">
-                <a:solidFill>
-                  <a:srgbClr val="0000FF"/>
-                </a:solidFill>
-                <a:latin typeface="Consolas" panose="020B0609020204030204" pitchFamily="49" charset="0"/>
-              </a:rPr>
-              <a:t>return</a:t>
-            </a:r>
-            <a:r>
-              <a:rPr lang="en-US" dirty="0">
-                <a:solidFill>
-                  <a:srgbClr val="000000"/>
-                </a:solidFill>
-                <a:latin typeface="Consolas" panose="020B0609020204030204" pitchFamily="49" charset="0"/>
-              </a:rPr>
-              <a:t> </a:t>
-            </a:r>
-            <a:r>
-              <a:rPr lang="en-US" dirty="0">
-                <a:solidFill>
-                  <a:srgbClr val="A31515"/>
-                </a:solidFill>
-                <a:latin typeface="Consolas" panose="020B0609020204030204" pitchFamily="49" charset="0"/>
-              </a:rPr>
-              <a:t>"City Person"</a:t>
-            </a:r>
-            <a:r>
-              <a:rPr lang="en-US" dirty="0">
-                <a:solidFill>
-                  <a:srgbClr val="000000"/>
-                </a:solidFill>
-                <a:latin typeface="Consolas" panose="020B0609020204030204" pitchFamily="49" charset="0"/>
-              </a:rPr>
-              <a:t>;</a:t>
-            </a:r>
-          </a:p>
-          <a:p>
-            <a:r>
-              <a:rPr lang="en-US" dirty="0">
-                <a:solidFill>
-                  <a:srgbClr val="000000"/>
-                </a:solidFill>
-                <a:latin typeface="Consolas" panose="020B0609020204030204" pitchFamily="49" charset="0"/>
-              </a:rPr>
-              <a:t>    }</a:t>
-            </a:r>
-          </a:p>
-          <a:p>
-            <a:r>
-              <a:rPr lang="en-US" dirty="0">
-                <a:solidFill>
-                  <a:srgbClr val="000000"/>
-                </a:solidFill>
-                <a:latin typeface="Consolas" panose="020B0609020204030204" pitchFamily="49" charset="0"/>
-              </a:rPr>
-              <a:t>}</a:t>
-            </a:r>
+              <a:t>The </a:t>
+            </a:r>
+            <a:r>
+              <a:rPr lang="en-US" b="1" dirty="0"/>
+              <a:t>Handler</a:t>
+            </a:r>
+            <a:r>
+              <a:rPr lang="en-US" dirty="0"/>
+              <a:t> defines an interface for handling requests and implements the successor link.</a:t>
+            </a:r>
+          </a:p>
+          <a:p>
+            <a:r>
+              <a:rPr lang="en-US" dirty="0"/>
+              <a:t>The </a:t>
+            </a:r>
+            <a:r>
+              <a:rPr lang="en-US" b="1" dirty="0" err="1"/>
+              <a:t>ConcreteHandler</a:t>
+            </a:r>
+            <a:r>
+              <a:rPr lang="en-US" dirty="0"/>
+              <a:t> handles the request that it is responsible for and can access its successor. If the </a:t>
+            </a:r>
+            <a:r>
+              <a:rPr lang="en-US" b="1" dirty="0" err="1"/>
+              <a:t>ConcrteHandler</a:t>
+            </a:r>
+            <a:r>
+              <a:rPr lang="en-US" dirty="0"/>
+              <a:t> can handle the request, it does so, otherwise it forwards the request to its successor.</a:t>
+            </a:r>
+          </a:p>
+          <a:p>
+            <a:r>
+              <a:rPr lang="en-US" dirty="0"/>
+              <a:t>The </a:t>
+            </a:r>
+            <a:r>
+              <a:rPr lang="en-US" b="1" dirty="0"/>
+              <a:t>Client</a:t>
+            </a:r>
+            <a:r>
+              <a:rPr lang="en-US" dirty="0"/>
+              <a:t> initiates the request to a </a:t>
+            </a:r>
+            <a:r>
+              <a:rPr lang="en-US" b="1" dirty="0" err="1"/>
+              <a:t>ConcreteHandler</a:t>
+            </a:r>
+            <a:r>
+              <a:rPr lang="en-US" dirty="0"/>
+              <a:t> object on the chain.</a:t>
+            </a:r>
+          </a:p>
+          <a:p>
             <a:endParaRPr lang="en-US" dirty="0"/>
           </a:p>
         </p:txBody>
@@ -7283,7 +6548,7 @@
     </p:spTree>
     <p:extLst>
       <p:ext uri="{BB962C8B-B14F-4D97-AF65-F5344CB8AC3E}">
-        <p14:creationId xmlns:p14="http://schemas.microsoft.com/office/powerpoint/2010/main" val="3780637663"/>
+        <p14:creationId xmlns:p14="http://schemas.microsoft.com/office/powerpoint/2010/main" val="2107916926"/>
       </p:ext>
     </p:extLst>
   </p:cSld>
@@ -7315,1414 +6580,6 @@
           <p:cNvPr id="2" name="Title 1">
             <a:extLst>
               <a:ext uri="{FF2B5EF4-FFF2-40B4-BE49-F238E27FC236}">
-                <a16:creationId xmlns:a16="http://schemas.microsoft.com/office/drawing/2014/main" id="{29BC308A-E147-4A73-A74D-60369C79EE8B}"/>
-              </a:ext>
-            </a:extLst>
-          </p:cNvPr>
-          <p:cNvSpPr>
-            <a:spLocks noGrp="1"/>
-          </p:cNvSpPr>
-          <p:nvPr>
-            <p:ph type="title"/>
-          </p:nvPr>
-        </p:nvSpPr>
-        <p:spPr>
-          <a:xfrm>
-            <a:off x="677334" y="96253"/>
-            <a:ext cx="8596668" cy="1320800"/>
-          </a:xfrm>
-        </p:spPr>
-        <p:txBody>
-          <a:bodyPr/>
-          <a:lstStyle/>
-          <a:p>
-            <a:r>
-              <a:rPr lang="en-US" dirty="0"/>
-              <a:t>Creator </a:t>
-            </a:r>
-          </a:p>
-        </p:txBody>
-      </p:sp>
-      <p:sp>
-        <p:nvSpPr>
-          <p:cNvPr id="4" name="TextBox 3">
-            <a:extLst>
-              <a:ext uri="{FF2B5EF4-FFF2-40B4-BE49-F238E27FC236}">
-                <a16:creationId xmlns:a16="http://schemas.microsoft.com/office/drawing/2014/main" id="{78EFD95D-58CD-407C-83B9-6B58A90AAC07}"/>
-              </a:ext>
-            </a:extLst>
-          </p:cNvPr>
-          <p:cNvSpPr txBox="1"/>
-          <p:nvPr/>
-        </p:nvSpPr>
-        <p:spPr>
-          <a:xfrm>
-            <a:off x="677334" y="862778"/>
-            <a:ext cx="4483769" cy="1477328"/>
-          </a:xfrm>
-          <a:prstGeom prst="rect">
-            <a:avLst/>
-          </a:prstGeom>
-          <a:noFill/>
-        </p:spPr>
-        <p:txBody>
-          <a:bodyPr wrap="square" rtlCol="0">
-            <a:spAutoFit/>
-          </a:bodyPr>
-          <a:lstStyle/>
-          <a:p>
-            <a:r>
-              <a:rPr lang="en-US" dirty="0">
-                <a:solidFill>
-                  <a:srgbClr val="0000FF"/>
-                </a:solidFill>
-                <a:latin typeface="Consolas" panose="020B0609020204030204" pitchFamily="49" charset="0"/>
-              </a:rPr>
-              <a:t>public</a:t>
-            </a:r>
-            <a:r>
-              <a:rPr lang="en-US" dirty="0">
-                <a:solidFill>
-                  <a:srgbClr val="000000"/>
-                </a:solidFill>
-                <a:latin typeface="Consolas" panose="020B0609020204030204" pitchFamily="49" charset="0"/>
-              </a:rPr>
-              <a:t> </a:t>
-            </a:r>
-            <a:r>
-              <a:rPr lang="en-US" dirty="0" err="1">
-                <a:solidFill>
-                  <a:srgbClr val="0000FF"/>
-                </a:solidFill>
-                <a:latin typeface="Consolas" panose="020B0609020204030204" pitchFamily="49" charset="0"/>
-              </a:rPr>
-              <a:t>enum</a:t>
-            </a:r>
-            <a:r>
-              <a:rPr lang="en-US" dirty="0">
-                <a:solidFill>
-                  <a:srgbClr val="000000"/>
-                </a:solidFill>
-                <a:latin typeface="Consolas" panose="020B0609020204030204" pitchFamily="49" charset="0"/>
-              </a:rPr>
-              <a:t> </a:t>
-            </a:r>
-            <a:r>
-              <a:rPr lang="en-US" dirty="0" err="1">
-                <a:solidFill>
-                  <a:srgbClr val="2B91AF"/>
-                </a:solidFill>
-                <a:latin typeface="Consolas" panose="020B0609020204030204" pitchFamily="49" charset="0"/>
-              </a:rPr>
-              <a:t>PersonType</a:t>
-            </a:r>
-            <a:endParaRPr lang="en-US" dirty="0">
-              <a:solidFill>
-                <a:srgbClr val="000000"/>
-              </a:solidFill>
-              <a:latin typeface="Consolas" panose="020B0609020204030204" pitchFamily="49" charset="0"/>
-            </a:endParaRPr>
-          </a:p>
-          <a:p>
-            <a:r>
-              <a:rPr lang="en-US" dirty="0">
-                <a:solidFill>
-                  <a:srgbClr val="000000"/>
-                </a:solidFill>
-                <a:latin typeface="Consolas" panose="020B0609020204030204" pitchFamily="49" charset="0"/>
-              </a:rPr>
-              <a:t>{</a:t>
-            </a:r>
-          </a:p>
-          <a:p>
-            <a:r>
-              <a:rPr lang="en-US" dirty="0">
-                <a:solidFill>
-                  <a:srgbClr val="000000"/>
-                </a:solidFill>
-                <a:latin typeface="Consolas" panose="020B0609020204030204" pitchFamily="49" charset="0"/>
-              </a:rPr>
-              <a:t>	Rural,</a:t>
-            </a:r>
-          </a:p>
-          <a:p>
-            <a:r>
-              <a:rPr lang="en-US" dirty="0">
-                <a:solidFill>
-                  <a:srgbClr val="000000"/>
-                </a:solidFill>
-                <a:latin typeface="Consolas" panose="020B0609020204030204" pitchFamily="49" charset="0"/>
-              </a:rPr>
-              <a:t>    Urban</a:t>
-            </a:r>
-          </a:p>
-          <a:p>
-            <a:r>
-              <a:rPr lang="en-US" dirty="0">
-                <a:solidFill>
-                  <a:srgbClr val="000000"/>
-                </a:solidFill>
-                <a:latin typeface="Consolas" panose="020B0609020204030204" pitchFamily="49" charset="0"/>
-              </a:rPr>
-              <a:t>}</a:t>
-            </a:r>
-            <a:endParaRPr lang="en-US" dirty="0"/>
-          </a:p>
-        </p:txBody>
-      </p:sp>
-      <p:sp>
-        <p:nvSpPr>
-          <p:cNvPr id="6" name="TextBox 5">
-            <a:extLst>
-              <a:ext uri="{FF2B5EF4-FFF2-40B4-BE49-F238E27FC236}">
-                <a16:creationId xmlns:a16="http://schemas.microsoft.com/office/drawing/2014/main" id="{3A6336D4-A7F5-4E5E-BF8E-130C7310CBD4}"/>
-              </a:ext>
-            </a:extLst>
-          </p:cNvPr>
-          <p:cNvSpPr txBox="1"/>
-          <p:nvPr/>
-        </p:nvSpPr>
-        <p:spPr>
-          <a:xfrm>
-            <a:off x="677334" y="2394236"/>
-            <a:ext cx="8903367" cy="4247317"/>
-          </a:xfrm>
-          <a:prstGeom prst="rect">
-            <a:avLst/>
-          </a:prstGeom>
-          <a:noFill/>
-        </p:spPr>
-        <p:txBody>
-          <a:bodyPr wrap="square" rtlCol="0">
-            <a:spAutoFit/>
-          </a:bodyPr>
-          <a:lstStyle/>
-          <a:p>
-            <a:r>
-              <a:rPr lang="en-US" dirty="0">
-                <a:solidFill>
-                  <a:srgbClr val="0000FF"/>
-                </a:solidFill>
-                <a:latin typeface="Consolas" panose="020B0609020204030204" pitchFamily="49" charset="0"/>
-              </a:rPr>
-              <a:t>public</a:t>
-            </a:r>
-            <a:r>
-              <a:rPr lang="en-US" dirty="0">
-                <a:solidFill>
-                  <a:srgbClr val="000000"/>
-                </a:solidFill>
-                <a:latin typeface="Consolas" panose="020B0609020204030204" pitchFamily="49" charset="0"/>
-              </a:rPr>
-              <a:t> </a:t>
-            </a:r>
-            <a:r>
-              <a:rPr lang="en-US" dirty="0">
-                <a:solidFill>
-                  <a:srgbClr val="0000FF"/>
-                </a:solidFill>
-                <a:latin typeface="Consolas" panose="020B0609020204030204" pitchFamily="49" charset="0"/>
-              </a:rPr>
-              <a:t>class</a:t>
-            </a:r>
-            <a:r>
-              <a:rPr lang="en-US" dirty="0">
-                <a:solidFill>
-                  <a:srgbClr val="000000"/>
-                </a:solidFill>
-                <a:latin typeface="Consolas" panose="020B0609020204030204" pitchFamily="49" charset="0"/>
-              </a:rPr>
-              <a:t> </a:t>
-            </a:r>
-            <a:r>
-              <a:rPr lang="en-US" dirty="0">
-                <a:solidFill>
-                  <a:srgbClr val="2B91AF"/>
-                </a:solidFill>
-                <a:latin typeface="Consolas" panose="020B0609020204030204" pitchFamily="49" charset="0"/>
-              </a:rPr>
-              <a:t>Factory</a:t>
-            </a:r>
-          </a:p>
-          <a:p>
-            <a:r>
-              <a:rPr lang="en-US" dirty="0">
-                <a:solidFill>
-                  <a:srgbClr val="000000"/>
-                </a:solidFill>
-                <a:latin typeface="Consolas" panose="020B0609020204030204" pitchFamily="49" charset="0"/>
-              </a:rPr>
-              <a:t>{</a:t>
-            </a:r>
-          </a:p>
-          <a:p>
-            <a:r>
-              <a:rPr lang="en-US" dirty="0">
-                <a:solidFill>
-                  <a:srgbClr val="000000"/>
-                </a:solidFill>
-                <a:latin typeface="Consolas" panose="020B0609020204030204" pitchFamily="49" charset="0"/>
-              </a:rPr>
-              <a:t>    </a:t>
-            </a:r>
-            <a:r>
-              <a:rPr lang="en-US" dirty="0">
-                <a:solidFill>
-                  <a:srgbClr val="0000FF"/>
-                </a:solidFill>
-                <a:latin typeface="Consolas" panose="020B0609020204030204" pitchFamily="49" charset="0"/>
-              </a:rPr>
-              <a:t>public</a:t>
-            </a:r>
-            <a:r>
-              <a:rPr lang="en-US" dirty="0">
-                <a:solidFill>
-                  <a:srgbClr val="000000"/>
-                </a:solidFill>
-                <a:latin typeface="Consolas" panose="020B0609020204030204" pitchFamily="49" charset="0"/>
-              </a:rPr>
-              <a:t> </a:t>
-            </a:r>
-            <a:r>
-              <a:rPr lang="en-US" dirty="0" err="1">
-                <a:solidFill>
-                  <a:srgbClr val="2B91AF"/>
-                </a:solidFill>
-                <a:latin typeface="Consolas" panose="020B0609020204030204" pitchFamily="49" charset="0"/>
-              </a:rPr>
-              <a:t>IPerson</a:t>
-            </a:r>
-            <a:r>
-              <a:rPr lang="en-US" dirty="0">
-                <a:solidFill>
-                  <a:srgbClr val="000000"/>
-                </a:solidFill>
-                <a:latin typeface="Consolas" panose="020B0609020204030204" pitchFamily="49" charset="0"/>
-              </a:rPr>
-              <a:t> </a:t>
-            </a:r>
-            <a:r>
-              <a:rPr lang="en-US" dirty="0" err="1">
-                <a:solidFill>
-                  <a:srgbClr val="000000"/>
-                </a:solidFill>
-                <a:latin typeface="Consolas" panose="020B0609020204030204" pitchFamily="49" charset="0"/>
-              </a:rPr>
-              <a:t>GetPerson</a:t>
-            </a:r>
-            <a:r>
-              <a:rPr lang="en-US" dirty="0">
-                <a:solidFill>
-                  <a:srgbClr val="000000"/>
-                </a:solidFill>
-                <a:latin typeface="Consolas" panose="020B0609020204030204" pitchFamily="49" charset="0"/>
-              </a:rPr>
-              <a:t>(</a:t>
-            </a:r>
-            <a:r>
-              <a:rPr lang="en-US" dirty="0" err="1">
-                <a:solidFill>
-                  <a:srgbClr val="2B91AF"/>
-                </a:solidFill>
-                <a:latin typeface="Consolas" panose="020B0609020204030204" pitchFamily="49" charset="0"/>
-              </a:rPr>
-              <a:t>PersonType</a:t>
-            </a:r>
-            <a:r>
-              <a:rPr lang="en-US" dirty="0">
-                <a:solidFill>
-                  <a:srgbClr val="000000"/>
-                </a:solidFill>
-                <a:latin typeface="Consolas" panose="020B0609020204030204" pitchFamily="49" charset="0"/>
-              </a:rPr>
-              <a:t> type)</a:t>
-            </a:r>
-          </a:p>
-          <a:p>
-            <a:r>
-              <a:rPr lang="en-US" dirty="0">
-                <a:solidFill>
-                  <a:srgbClr val="000000"/>
-                </a:solidFill>
-                <a:latin typeface="Consolas" panose="020B0609020204030204" pitchFamily="49" charset="0"/>
-              </a:rPr>
-              <a:t>    {</a:t>
-            </a:r>
-          </a:p>
-          <a:p>
-            <a:r>
-              <a:rPr lang="en-US" dirty="0">
-                <a:solidFill>
-                  <a:srgbClr val="000000"/>
-                </a:solidFill>
-                <a:latin typeface="Consolas" panose="020B0609020204030204" pitchFamily="49" charset="0"/>
-              </a:rPr>
-              <a:t>        </a:t>
-            </a:r>
-            <a:r>
-              <a:rPr lang="en-US" dirty="0">
-                <a:solidFill>
-                  <a:srgbClr val="0000FF"/>
-                </a:solidFill>
-                <a:latin typeface="Consolas" panose="020B0609020204030204" pitchFamily="49" charset="0"/>
-              </a:rPr>
-              <a:t>switch</a:t>
-            </a:r>
-            <a:r>
-              <a:rPr lang="en-US" dirty="0">
-                <a:solidFill>
-                  <a:srgbClr val="000000"/>
-                </a:solidFill>
-                <a:latin typeface="Consolas" panose="020B0609020204030204" pitchFamily="49" charset="0"/>
-              </a:rPr>
-              <a:t> (type)</a:t>
-            </a:r>
-          </a:p>
-          <a:p>
-            <a:r>
-              <a:rPr lang="en-US" dirty="0">
-                <a:solidFill>
-                  <a:srgbClr val="000000"/>
-                </a:solidFill>
-                <a:latin typeface="Consolas" panose="020B0609020204030204" pitchFamily="49" charset="0"/>
-              </a:rPr>
-              <a:t>        {</a:t>
-            </a:r>
-          </a:p>
-          <a:p>
-            <a:r>
-              <a:rPr lang="en-US" dirty="0">
-                <a:solidFill>
-                  <a:srgbClr val="000000"/>
-                </a:solidFill>
-                <a:latin typeface="Consolas" panose="020B0609020204030204" pitchFamily="49" charset="0"/>
-              </a:rPr>
-              <a:t>            </a:t>
-            </a:r>
-            <a:r>
-              <a:rPr lang="en-US" dirty="0">
-                <a:solidFill>
-                  <a:srgbClr val="0000FF"/>
-                </a:solidFill>
-                <a:latin typeface="Consolas" panose="020B0609020204030204" pitchFamily="49" charset="0"/>
-              </a:rPr>
-              <a:t>case</a:t>
-            </a:r>
-            <a:r>
-              <a:rPr lang="en-US" dirty="0">
-                <a:solidFill>
-                  <a:srgbClr val="000000"/>
-                </a:solidFill>
-                <a:latin typeface="Consolas" panose="020B0609020204030204" pitchFamily="49" charset="0"/>
-              </a:rPr>
-              <a:t> </a:t>
-            </a:r>
-            <a:r>
-              <a:rPr lang="en-US" dirty="0" err="1">
-                <a:solidFill>
-                  <a:srgbClr val="2B91AF"/>
-                </a:solidFill>
-                <a:latin typeface="Consolas" panose="020B0609020204030204" pitchFamily="49" charset="0"/>
-              </a:rPr>
-              <a:t>PersonType.Rural</a:t>
-            </a:r>
-            <a:r>
-              <a:rPr lang="en-US" dirty="0">
-                <a:solidFill>
-                  <a:srgbClr val="000000"/>
-                </a:solidFill>
-                <a:latin typeface="Consolas" panose="020B0609020204030204" pitchFamily="49" charset="0"/>
-              </a:rPr>
-              <a:t>:</a:t>
-            </a:r>
-          </a:p>
-          <a:p>
-            <a:r>
-              <a:rPr lang="en-US" dirty="0">
-                <a:solidFill>
-                  <a:srgbClr val="000000"/>
-                </a:solidFill>
-                <a:latin typeface="Consolas" panose="020B0609020204030204" pitchFamily="49" charset="0"/>
-              </a:rPr>
-              <a:t>                </a:t>
-            </a:r>
-            <a:r>
-              <a:rPr lang="en-US" dirty="0">
-                <a:solidFill>
-                  <a:srgbClr val="0000FF"/>
-                </a:solidFill>
-                <a:latin typeface="Consolas" panose="020B0609020204030204" pitchFamily="49" charset="0"/>
-              </a:rPr>
-              <a:t>return</a:t>
-            </a:r>
-            <a:r>
-              <a:rPr lang="en-US" dirty="0">
-                <a:solidFill>
-                  <a:srgbClr val="000000"/>
-                </a:solidFill>
-                <a:latin typeface="Consolas" panose="020B0609020204030204" pitchFamily="49" charset="0"/>
-              </a:rPr>
-              <a:t> </a:t>
-            </a:r>
-            <a:r>
-              <a:rPr lang="en-US" dirty="0">
-                <a:solidFill>
-                  <a:srgbClr val="0000FF"/>
-                </a:solidFill>
-                <a:latin typeface="Consolas" panose="020B0609020204030204" pitchFamily="49" charset="0"/>
-              </a:rPr>
-              <a:t>new</a:t>
-            </a:r>
-            <a:r>
-              <a:rPr lang="en-US" dirty="0">
-                <a:solidFill>
-                  <a:srgbClr val="000000"/>
-                </a:solidFill>
-                <a:latin typeface="Consolas" panose="020B0609020204030204" pitchFamily="49" charset="0"/>
-              </a:rPr>
-              <a:t> Villager();</a:t>
-            </a:r>
-          </a:p>
-          <a:p>
-            <a:r>
-              <a:rPr lang="en-US" dirty="0">
-                <a:solidFill>
-                  <a:srgbClr val="000000"/>
-                </a:solidFill>
-                <a:latin typeface="Consolas" panose="020B0609020204030204" pitchFamily="49" charset="0"/>
-              </a:rPr>
-              <a:t>            </a:t>
-            </a:r>
-            <a:r>
-              <a:rPr lang="en-US" dirty="0">
-                <a:solidFill>
-                  <a:srgbClr val="0000FF"/>
-                </a:solidFill>
-                <a:latin typeface="Consolas" panose="020B0609020204030204" pitchFamily="49" charset="0"/>
-              </a:rPr>
-              <a:t>case</a:t>
-            </a:r>
-            <a:r>
-              <a:rPr lang="en-US" dirty="0">
-                <a:solidFill>
-                  <a:srgbClr val="000000"/>
-                </a:solidFill>
-                <a:latin typeface="Consolas" panose="020B0609020204030204" pitchFamily="49" charset="0"/>
-              </a:rPr>
-              <a:t> </a:t>
-            </a:r>
-            <a:r>
-              <a:rPr lang="en-US" dirty="0" err="1">
-                <a:solidFill>
-                  <a:srgbClr val="2B91AF"/>
-                </a:solidFill>
-                <a:latin typeface="Consolas" panose="020B0609020204030204" pitchFamily="49" charset="0"/>
-              </a:rPr>
-              <a:t>PersonType.Urban</a:t>
-            </a:r>
-            <a:r>
-              <a:rPr lang="en-US" dirty="0">
-                <a:solidFill>
-                  <a:srgbClr val="000000"/>
-                </a:solidFill>
-                <a:latin typeface="Consolas" panose="020B0609020204030204" pitchFamily="49" charset="0"/>
-              </a:rPr>
-              <a:t>:</a:t>
-            </a:r>
-          </a:p>
-          <a:p>
-            <a:r>
-              <a:rPr lang="en-US" dirty="0">
-                <a:solidFill>
-                  <a:srgbClr val="000000"/>
-                </a:solidFill>
-                <a:latin typeface="Consolas" panose="020B0609020204030204" pitchFamily="49" charset="0"/>
-              </a:rPr>
-              <a:t>                </a:t>
-            </a:r>
-            <a:r>
-              <a:rPr lang="en-US" dirty="0">
-                <a:solidFill>
-                  <a:srgbClr val="0000FF"/>
-                </a:solidFill>
-                <a:latin typeface="Consolas" panose="020B0609020204030204" pitchFamily="49" charset="0"/>
-              </a:rPr>
-              <a:t>return</a:t>
-            </a:r>
-            <a:r>
-              <a:rPr lang="en-US" dirty="0">
-                <a:solidFill>
-                  <a:srgbClr val="000000"/>
-                </a:solidFill>
-                <a:latin typeface="Consolas" panose="020B0609020204030204" pitchFamily="49" charset="0"/>
-              </a:rPr>
-              <a:t> </a:t>
-            </a:r>
-            <a:r>
-              <a:rPr lang="en-US" dirty="0">
-                <a:solidFill>
-                  <a:srgbClr val="0000FF"/>
-                </a:solidFill>
-                <a:latin typeface="Consolas" panose="020B0609020204030204" pitchFamily="49" charset="0"/>
-              </a:rPr>
-              <a:t>new</a:t>
-            </a:r>
-            <a:r>
-              <a:rPr lang="en-US" dirty="0">
-                <a:solidFill>
-                  <a:srgbClr val="000000"/>
-                </a:solidFill>
-                <a:latin typeface="Consolas" panose="020B0609020204030204" pitchFamily="49" charset="0"/>
-              </a:rPr>
-              <a:t> </a:t>
-            </a:r>
-            <a:r>
-              <a:rPr lang="en-US" dirty="0" err="1">
-                <a:solidFill>
-                  <a:srgbClr val="2B91AF"/>
-                </a:solidFill>
-                <a:latin typeface="Consolas" panose="020B0609020204030204" pitchFamily="49" charset="0"/>
-              </a:rPr>
-              <a:t>CityPerson</a:t>
-            </a:r>
-            <a:r>
-              <a:rPr lang="en-US" dirty="0">
-                <a:solidFill>
-                  <a:srgbClr val="000000"/>
-                </a:solidFill>
-                <a:latin typeface="Consolas" panose="020B0609020204030204" pitchFamily="49" charset="0"/>
-              </a:rPr>
-              <a:t>();</a:t>
-            </a:r>
-          </a:p>
-          <a:p>
-            <a:r>
-              <a:rPr lang="en-US" dirty="0">
-                <a:solidFill>
-                  <a:srgbClr val="000000"/>
-                </a:solidFill>
-                <a:latin typeface="Consolas" panose="020B0609020204030204" pitchFamily="49" charset="0"/>
-              </a:rPr>
-              <a:t>            </a:t>
-            </a:r>
-            <a:r>
-              <a:rPr lang="en-US" dirty="0">
-                <a:solidFill>
-                  <a:srgbClr val="0000FF"/>
-                </a:solidFill>
-                <a:latin typeface="Consolas" panose="020B0609020204030204" pitchFamily="49" charset="0"/>
-              </a:rPr>
-              <a:t>default</a:t>
-            </a:r>
-            <a:r>
-              <a:rPr lang="en-US" dirty="0">
-                <a:solidFill>
-                  <a:srgbClr val="000000"/>
-                </a:solidFill>
-                <a:latin typeface="Consolas" panose="020B0609020204030204" pitchFamily="49" charset="0"/>
-              </a:rPr>
-              <a:t>:</a:t>
-            </a:r>
-          </a:p>
-          <a:p>
-            <a:r>
-              <a:rPr lang="en-US" dirty="0">
-                <a:solidFill>
-                  <a:srgbClr val="000000"/>
-                </a:solidFill>
-                <a:latin typeface="Consolas" panose="020B0609020204030204" pitchFamily="49" charset="0"/>
-              </a:rPr>
-              <a:t>                </a:t>
-            </a:r>
-            <a:r>
-              <a:rPr lang="en-US" dirty="0">
-                <a:solidFill>
-                  <a:srgbClr val="0000FF"/>
-                </a:solidFill>
-                <a:latin typeface="Consolas" panose="020B0609020204030204" pitchFamily="49" charset="0"/>
-              </a:rPr>
-              <a:t>throw</a:t>
-            </a:r>
-            <a:r>
-              <a:rPr lang="en-US" dirty="0">
-                <a:solidFill>
-                  <a:srgbClr val="000000"/>
-                </a:solidFill>
-                <a:latin typeface="Consolas" panose="020B0609020204030204" pitchFamily="49" charset="0"/>
-              </a:rPr>
-              <a:t> </a:t>
-            </a:r>
-            <a:r>
-              <a:rPr lang="en-US" dirty="0">
-                <a:solidFill>
-                  <a:srgbClr val="0000FF"/>
-                </a:solidFill>
-                <a:latin typeface="Consolas" panose="020B0609020204030204" pitchFamily="49" charset="0"/>
-              </a:rPr>
-              <a:t>new</a:t>
-            </a:r>
-            <a:r>
-              <a:rPr lang="en-US" dirty="0">
-                <a:solidFill>
-                  <a:srgbClr val="000000"/>
-                </a:solidFill>
-                <a:latin typeface="Consolas" panose="020B0609020204030204" pitchFamily="49" charset="0"/>
-              </a:rPr>
-              <a:t> </a:t>
-            </a:r>
-            <a:r>
-              <a:rPr lang="en-US" dirty="0" err="1">
-                <a:solidFill>
-                  <a:srgbClr val="2B91AF"/>
-                </a:solidFill>
-                <a:latin typeface="Consolas" panose="020B0609020204030204" pitchFamily="49" charset="0"/>
-              </a:rPr>
-              <a:t>NotSupportedException</a:t>
-            </a:r>
-            <a:r>
-              <a:rPr lang="en-US" dirty="0">
-                <a:solidFill>
-                  <a:srgbClr val="000000"/>
-                </a:solidFill>
-                <a:latin typeface="Consolas" panose="020B0609020204030204" pitchFamily="49" charset="0"/>
-              </a:rPr>
-              <a:t>();</a:t>
-            </a:r>
-          </a:p>
-          <a:p>
-            <a:r>
-              <a:rPr lang="en-US" dirty="0">
-                <a:solidFill>
-                  <a:srgbClr val="000000"/>
-                </a:solidFill>
-                <a:latin typeface="Consolas" panose="020B0609020204030204" pitchFamily="49" charset="0"/>
-              </a:rPr>
-              <a:t>        }</a:t>
-            </a:r>
-          </a:p>
-          <a:p>
-            <a:r>
-              <a:rPr lang="en-US" dirty="0">
-                <a:solidFill>
-                  <a:srgbClr val="000000"/>
-                </a:solidFill>
-                <a:latin typeface="Consolas" panose="020B0609020204030204" pitchFamily="49" charset="0"/>
-              </a:rPr>
-              <a:t>    }</a:t>
-            </a:r>
-          </a:p>
-          <a:p>
-            <a:r>
-              <a:rPr lang="en-US" dirty="0">
-                <a:solidFill>
-                  <a:srgbClr val="000000"/>
-                </a:solidFill>
-                <a:latin typeface="Consolas" panose="020B0609020204030204" pitchFamily="49" charset="0"/>
-              </a:rPr>
-              <a:t>}</a:t>
-            </a:r>
-            <a:endParaRPr lang="en-US" dirty="0"/>
-          </a:p>
-        </p:txBody>
-      </p:sp>
-    </p:spTree>
-    <p:extLst>
-      <p:ext uri="{BB962C8B-B14F-4D97-AF65-F5344CB8AC3E}">
-        <p14:creationId xmlns:p14="http://schemas.microsoft.com/office/powerpoint/2010/main" val="1044701584"/>
-      </p:ext>
-    </p:extLst>
-  </p:cSld>
-  <p:clrMapOvr>
-    <a:masterClrMapping/>
-  </p:clrMapOvr>
-</p:sld>
-</file>
-
-<file path=ppt/slides/slide6.xml><?xml version="1.0" encoding="utf-8"?>
-<p:sld xmlns:a="http://schemas.openxmlformats.org/drawingml/2006/main" xmlns:r="http://schemas.openxmlformats.org/officeDocument/2006/relationships" xmlns:p="http://schemas.openxmlformats.org/presentationml/2006/main">
-  <p:cSld>
-    <p:spTree>
-      <p:nvGrpSpPr>
-        <p:cNvPr id="1" name=""/>
-        <p:cNvGrpSpPr/>
-        <p:nvPr/>
-      </p:nvGrpSpPr>
-      <p:grpSpPr>
-        <a:xfrm>
-          <a:off x="0" y="0"/>
-          <a:ext cx="0" cy="0"/>
-          <a:chOff x="0" y="0"/>
-          <a:chExt cx="0" cy="0"/>
-        </a:xfrm>
-      </p:grpSpPr>
-      <p:sp>
-        <p:nvSpPr>
-          <p:cNvPr id="2" name="Title 1">
-            <a:extLst>
-              <a:ext uri="{FF2B5EF4-FFF2-40B4-BE49-F238E27FC236}">
-                <a16:creationId xmlns:a16="http://schemas.microsoft.com/office/drawing/2014/main" id="{836DDFBA-C31F-4CA3-9E23-9F12880CB8A3}"/>
-              </a:ext>
-            </a:extLst>
-          </p:cNvPr>
-          <p:cNvSpPr>
-            <a:spLocks noGrp="1"/>
-          </p:cNvSpPr>
-          <p:nvPr>
-            <p:ph type="title"/>
-          </p:nvPr>
-        </p:nvSpPr>
-        <p:spPr>
-          <a:xfrm>
-            <a:off x="677333" y="433137"/>
-            <a:ext cx="8596668" cy="721895"/>
-          </a:xfrm>
-        </p:spPr>
-        <p:txBody>
-          <a:bodyPr/>
-          <a:lstStyle/>
-          <a:p>
-            <a:r>
-              <a:rPr lang="en-US" dirty="0"/>
-              <a:t>Wait this looks familiar…</a:t>
-            </a:r>
-          </a:p>
-        </p:txBody>
-      </p:sp>
-      <p:sp>
-        <p:nvSpPr>
-          <p:cNvPr id="6" name="Rectangle 5">
-            <a:extLst>
-              <a:ext uri="{FF2B5EF4-FFF2-40B4-BE49-F238E27FC236}">
-                <a16:creationId xmlns:a16="http://schemas.microsoft.com/office/drawing/2014/main" id="{59E405FF-B149-42BA-9820-1D9538799AEB}"/>
-              </a:ext>
-            </a:extLst>
-          </p:cNvPr>
-          <p:cNvSpPr/>
-          <p:nvPr/>
-        </p:nvSpPr>
-        <p:spPr>
-          <a:xfrm>
-            <a:off x="677333" y="1331495"/>
-            <a:ext cx="11081529" cy="3970318"/>
-          </a:xfrm>
-          <a:prstGeom prst="rect">
-            <a:avLst/>
-          </a:prstGeom>
-        </p:spPr>
-        <p:txBody>
-          <a:bodyPr wrap="square">
-            <a:spAutoFit/>
-          </a:bodyPr>
-          <a:lstStyle/>
-          <a:p>
-            <a:r>
-              <a:rPr lang="en-US" dirty="0">
-                <a:solidFill>
-                  <a:srgbClr val="0000FF"/>
-                </a:solidFill>
-                <a:latin typeface="Consolas" panose="020B0609020204030204" pitchFamily="49" charset="0"/>
-              </a:rPr>
-              <a:t>public</a:t>
-            </a:r>
-            <a:r>
-              <a:rPr lang="en-US" dirty="0">
-                <a:solidFill>
-                  <a:srgbClr val="000000"/>
-                </a:solidFill>
-                <a:latin typeface="Consolas" panose="020B0609020204030204" pitchFamily="49" charset="0"/>
-              </a:rPr>
-              <a:t> </a:t>
-            </a:r>
-            <a:r>
-              <a:rPr lang="en-US" dirty="0">
-                <a:solidFill>
-                  <a:srgbClr val="0000FF"/>
-                </a:solidFill>
-                <a:latin typeface="Consolas" panose="020B0609020204030204" pitchFamily="49" charset="0"/>
-              </a:rPr>
-              <a:t>class</a:t>
-            </a:r>
-            <a:r>
-              <a:rPr lang="en-US" dirty="0">
-                <a:solidFill>
-                  <a:srgbClr val="000000"/>
-                </a:solidFill>
-                <a:latin typeface="Consolas" panose="020B0609020204030204" pitchFamily="49" charset="0"/>
-              </a:rPr>
-              <a:t> </a:t>
-            </a:r>
-            <a:r>
-              <a:rPr lang="en-US" dirty="0" err="1">
-                <a:solidFill>
-                  <a:srgbClr val="2B91AF"/>
-                </a:solidFill>
-                <a:latin typeface="Consolas" panose="020B0609020204030204" pitchFamily="49" charset="0"/>
-              </a:rPr>
-              <a:t>PersonProviderFactory</a:t>
-            </a:r>
-            <a:endParaRPr lang="en-US" dirty="0">
-              <a:solidFill>
-                <a:srgbClr val="2B91AF"/>
-              </a:solidFill>
-              <a:latin typeface="Consolas" panose="020B0609020204030204" pitchFamily="49" charset="0"/>
-            </a:endParaRPr>
-          </a:p>
-          <a:p>
-            <a:r>
-              <a:rPr lang="en-US" dirty="0">
-                <a:solidFill>
-                  <a:srgbClr val="000000"/>
-                </a:solidFill>
-                <a:latin typeface="Consolas" panose="020B0609020204030204" pitchFamily="49" charset="0"/>
-              </a:rPr>
-              <a:t>{</a:t>
-            </a:r>
-          </a:p>
-          <a:p>
-            <a:r>
-              <a:rPr lang="en-US" dirty="0">
-                <a:solidFill>
-                  <a:srgbClr val="000000"/>
-                </a:solidFill>
-                <a:latin typeface="Consolas" panose="020B0609020204030204" pitchFamily="49" charset="0"/>
-              </a:rPr>
-              <a:t>    </a:t>
-            </a:r>
-            <a:r>
-              <a:rPr lang="en-US" dirty="0">
-                <a:solidFill>
-                  <a:srgbClr val="0000FF"/>
-                </a:solidFill>
-                <a:latin typeface="Consolas" panose="020B0609020204030204" pitchFamily="49" charset="0"/>
-              </a:rPr>
-              <a:t>private</a:t>
-            </a:r>
-            <a:r>
-              <a:rPr lang="en-US" dirty="0">
-                <a:solidFill>
-                  <a:srgbClr val="000000"/>
-                </a:solidFill>
-                <a:latin typeface="Consolas" panose="020B0609020204030204" pitchFamily="49" charset="0"/>
-              </a:rPr>
-              <a:t> </a:t>
-            </a:r>
-            <a:r>
-              <a:rPr lang="en-US" dirty="0" err="1">
-                <a:solidFill>
-                  <a:srgbClr val="0000FF"/>
-                </a:solidFill>
-                <a:latin typeface="Consolas" panose="020B0609020204030204" pitchFamily="49" charset="0"/>
-              </a:rPr>
-              <a:t>readonly</a:t>
-            </a:r>
-            <a:r>
-              <a:rPr lang="en-US" dirty="0">
-                <a:solidFill>
-                  <a:srgbClr val="000000"/>
-                </a:solidFill>
-                <a:latin typeface="Consolas" panose="020B0609020204030204" pitchFamily="49" charset="0"/>
-              </a:rPr>
-              <a:t> </a:t>
-            </a:r>
-            <a:r>
-              <a:rPr lang="en-US" dirty="0" err="1">
-                <a:solidFill>
-                  <a:srgbClr val="2B91AF"/>
-                </a:solidFill>
-                <a:latin typeface="Consolas" panose="020B0609020204030204" pitchFamily="49" charset="0"/>
-              </a:rPr>
-              <a:t>IDictionary</a:t>
-            </a:r>
-            <a:r>
-              <a:rPr lang="en-US" dirty="0">
-                <a:solidFill>
-                  <a:srgbClr val="000000"/>
-                </a:solidFill>
-                <a:latin typeface="Consolas" panose="020B0609020204030204" pitchFamily="49" charset="0"/>
-              </a:rPr>
-              <a:t>&lt;</a:t>
-            </a:r>
-            <a:r>
-              <a:rPr lang="en-US" dirty="0" err="1">
-                <a:solidFill>
-                  <a:srgbClr val="2B91AF"/>
-                </a:solidFill>
-                <a:latin typeface="Consolas" panose="020B0609020204030204" pitchFamily="49" charset="0"/>
-              </a:rPr>
-              <a:t>PersonType</a:t>
-            </a:r>
-            <a:r>
-              <a:rPr lang="en-US" dirty="0">
-                <a:solidFill>
-                  <a:srgbClr val="000000"/>
-                </a:solidFill>
-                <a:latin typeface="Consolas" panose="020B0609020204030204" pitchFamily="49" charset="0"/>
-              </a:rPr>
-              <a:t>, </a:t>
-            </a:r>
-            <a:r>
-              <a:rPr lang="en-US" dirty="0" err="1">
-                <a:solidFill>
-                  <a:srgbClr val="2B91AF"/>
-                </a:solidFill>
-                <a:latin typeface="Consolas" panose="020B0609020204030204" pitchFamily="49" charset="0"/>
-              </a:rPr>
-              <a:t>IPerson</a:t>
-            </a:r>
-            <a:r>
-              <a:rPr lang="en-US" dirty="0">
-                <a:solidFill>
-                  <a:srgbClr val="000000"/>
-                </a:solidFill>
-                <a:latin typeface="Consolas" panose="020B0609020204030204" pitchFamily="49" charset="0"/>
-              </a:rPr>
-              <a:t>&gt; _providers =</a:t>
-            </a:r>
-          </a:p>
-          <a:p>
-            <a:r>
-              <a:rPr lang="en-US" dirty="0">
-                <a:solidFill>
-                  <a:srgbClr val="000000"/>
-                </a:solidFill>
-                <a:latin typeface="Consolas" panose="020B0609020204030204" pitchFamily="49" charset="0"/>
-              </a:rPr>
-              <a:t>		</a:t>
-            </a:r>
-            <a:r>
-              <a:rPr lang="en-US" dirty="0">
-                <a:solidFill>
-                  <a:srgbClr val="0000FF"/>
-                </a:solidFill>
-                <a:latin typeface="Consolas" panose="020B0609020204030204" pitchFamily="49" charset="0"/>
-              </a:rPr>
-              <a:t>new</a:t>
-            </a:r>
-            <a:r>
-              <a:rPr lang="en-US" dirty="0">
-                <a:solidFill>
-                  <a:srgbClr val="000000"/>
-                </a:solidFill>
-                <a:latin typeface="Consolas" panose="020B0609020204030204" pitchFamily="49" charset="0"/>
-              </a:rPr>
-              <a:t> </a:t>
-            </a:r>
-            <a:r>
-              <a:rPr lang="en-US" dirty="0">
-                <a:solidFill>
-                  <a:srgbClr val="2B91AF"/>
-                </a:solidFill>
-                <a:latin typeface="Consolas" panose="020B0609020204030204" pitchFamily="49" charset="0"/>
-              </a:rPr>
-              <a:t>Dictionary</a:t>
-            </a:r>
-            <a:r>
-              <a:rPr lang="en-US" dirty="0">
-                <a:solidFill>
-                  <a:srgbClr val="000000"/>
-                </a:solidFill>
-                <a:latin typeface="Consolas" panose="020B0609020204030204" pitchFamily="49" charset="0"/>
-              </a:rPr>
-              <a:t>&lt;</a:t>
-            </a:r>
-            <a:r>
-              <a:rPr lang="en-US" dirty="0" err="1">
-                <a:solidFill>
-                  <a:srgbClr val="2B91AF"/>
-                </a:solidFill>
-                <a:latin typeface="Consolas" panose="020B0609020204030204" pitchFamily="49" charset="0"/>
-              </a:rPr>
-              <a:t>PersonType</a:t>
-            </a:r>
-            <a:r>
-              <a:rPr lang="en-US" dirty="0">
-                <a:solidFill>
-                  <a:srgbClr val="000000"/>
-                </a:solidFill>
-                <a:latin typeface="Consolas" panose="020B0609020204030204" pitchFamily="49" charset="0"/>
-              </a:rPr>
-              <a:t>, </a:t>
-            </a:r>
-            <a:r>
-              <a:rPr lang="en-US" dirty="0" err="1">
-                <a:solidFill>
-                  <a:srgbClr val="2B91AF"/>
-                </a:solidFill>
-                <a:latin typeface="Consolas" panose="020B0609020204030204" pitchFamily="49" charset="0"/>
-              </a:rPr>
-              <a:t>IPerson</a:t>
-            </a:r>
-            <a:r>
-              <a:rPr lang="en-US" dirty="0">
-                <a:solidFill>
-                  <a:srgbClr val="000000"/>
-                </a:solidFill>
-                <a:latin typeface="Consolas" panose="020B0609020204030204" pitchFamily="49" charset="0"/>
-              </a:rPr>
-              <a:t>&gt;</a:t>
-            </a:r>
-          </a:p>
-          <a:p>
-            <a:r>
-              <a:rPr lang="en-US" dirty="0">
-                <a:solidFill>
-                  <a:srgbClr val="000000"/>
-                </a:solidFill>
-                <a:latin typeface="Consolas" panose="020B0609020204030204" pitchFamily="49" charset="0"/>
-              </a:rPr>
-              <a:t>	    {</a:t>
-            </a:r>
-          </a:p>
-          <a:p>
-            <a:r>
-              <a:rPr lang="en-US" dirty="0">
-                <a:solidFill>
-                  <a:srgbClr val="000000"/>
-                </a:solidFill>
-                <a:latin typeface="Consolas" panose="020B0609020204030204" pitchFamily="49" charset="0"/>
-              </a:rPr>
-              <a:t>        	{</a:t>
-            </a:r>
-            <a:r>
-              <a:rPr lang="en-US" dirty="0" err="1">
-                <a:solidFill>
-                  <a:srgbClr val="2B91AF"/>
-                </a:solidFill>
-                <a:latin typeface="Consolas" panose="020B0609020204030204" pitchFamily="49" charset="0"/>
-              </a:rPr>
-              <a:t>PersonType</a:t>
-            </a:r>
-            <a:r>
-              <a:rPr lang="en-US" dirty="0" err="1">
-                <a:solidFill>
-                  <a:srgbClr val="000000"/>
-                </a:solidFill>
-                <a:latin typeface="Consolas" panose="020B0609020204030204" pitchFamily="49" charset="0"/>
-              </a:rPr>
-              <a:t>.Rural</a:t>
-            </a:r>
-            <a:r>
-              <a:rPr lang="en-US" dirty="0">
-                <a:solidFill>
-                  <a:srgbClr val="000000"/>
-                </a:solidFill>
-                <a:latin typeface="Consolas" panose="020B0609020204030204" pitchFamily="49" charset="0"/>
-              </a:rPr>
-              <a:t>, </a:t>
-            </a:r>
-            <a:r>
-              <a:rPr lang="en-US" dirty="0">
-                <a:solidFill>
-                  <a:srgbClr val="0000FF"/>
-                </a:solidFill>
-                <a:latin typeface="Consolas" panose="020B0609020204030204" pitchFamily="49" charset="0"/>
-              </a:rPr>
-              <a:t>new</a:t>
-            </a:r>
-            <a:r>
-              <a:rPr lang="en-US" dirty="0">
-                <a:solidFill>
-                  <a:srgbClr val="000000"/>
-                </a:solidFill>
-                <a:latin typeface="Consolas" panose="020B0609020204030204" pitchFamily="49" charset="0"/>
-              </a:rPr>
-              <a:t> </a:t>
-            </a:r>
-            <a:r>
-              <a:rPr lang="en-US" dirty="0">
-                <a:solidFill>
-                  <a:srgbClr val="2B91AF"/>
-                </a:solidFill>
-                <a:latin typeface="Consolas" panose="020B0609020204030204" pitchFamily="49" charset="0"/>
-              </a:rPr>
-              <a:t>Villager</a:t>
-            </a:r>
-            <a:r>
-              <a:rPr lang="en-US" dirty="0">
-                <a:solidFill>
-                  <a:srgbClr val="000000"/>
-                </a:solidFill>
-                <a:latin typeface="Consolas" panose="020B0609020204030204" pitchFamily="49" charset="0"/>
-              </a:rPr>
-              <a:t>() },</a:t>
-            </a:r>
-          </a:p>
-          <a:p>
-            <a:r>
-              <a:rPr lang="en-US" dirty="0">
-                <a:solidFill>
-                  <a:srgbClr val="000000"/>
-                </a:solidFill>
-                <a:latin typeface="Consolas" panose="020B0609020204030204" pitchFamily="49" charset="0"/>
-              </a:rPr>
-              <a:t>        	{</a:t>
-            </a:r>
-            <a:r>
-              <a:rPr lang="en-US" dirty="0" err="1">
-                <a:solidFill>
-                  <a:srgbClr val="2B91AF"/>
-                </a:solidFill>
-                <a:latin typeface="Consolas" panose="020B0609020204030204" pitchFamily="49" charset="0"/>
-              </a:rPr>
-              <a:t>PersonType</a:t>
-            </a:r>
-            <a:r>
-              <a:rPr lang="en-US" dirty="0" err="1">
-                <a:solidFill>
-                  <a:srgbClr val="000000"/>
-                </a:solidFill>
-                <a:latin typeface="Consolas" panose="020B0609020204030204" pitchFamily="49" charset="0"/>
-              </a:rPr>
-              <a:t>.Urban</a:t>
-            </a:r>
-            <a:r>
-              <a:rPr lang="en-US" dirty="0">
-                <a:solidFill>
-                  <a:srgbClr val="000000"/>
-                </a:solidFill>
-                <a:latin typeface="Consolas" panose="020B0609020204030204" pitchFamily="49" charset="0"/>
-              </a:rPr>
-              <a:t>, </a:t>
-            </a:r>
-            <a:r>
-              <a:rPr lang="en-US" dirty="0">
-                <a:solidFill>
-                  <a:srgbClr val="0000FF"/>
-                </a:solidFill>
-                <a:latin typeface="Consolas" panose="020B0609020204030204" pitchFamily="49" charset="0"/>
-              </a:rPr>
-              <a:t>new</a:t>
-            </a:r>
-            <a:r>
-              <a:rPr lang="en-US" dirty="0">
-                <a:solidFill>
-                  <a:srgbClr val="000000"/>
-                </a:solidFill>
-                <a:latin typeface="Consolas" panose="020B0609020204030204" pitchFamily="49" charset="0"/>
-              </a:rPr>
-              <a:t> </a:t>
-            </a:r>
-            <a:r>
-              <a:rPr lang="en-US" dirty="0" err="1">
-                <a:solidFill>
-                  <a:srgbClr val="2B91AF"/>
-                </a:solidFill>
-                <a:latin typeface="Consolas" panose="020B0609020204030204" pitchFamily="49" charset="0"/>
-              </a:rPr>
-              <a:t>CityPerson</a:t>
-            </a:r>
-            <a:r>
-              <a:rPr lang="en-US" dirty="0">
-                <a:solidFill>
-                  <a:srgbClr val="000000"/>
-                </a:solidFill>
-                <a:latin typeface="Consolas" panose="020B0609020204030204" pitchFamily="49" charset="0"/>
-              </a:rPr>
-              <a:t>() }</a:t>
-            </a:r>
-          </a:p>
-          <a:p>
-            <a:r>
-              <a:rPr lang="en-US" dirty="0">
-                <a:solidFill>
-                  <a:srgbClr val="000000"/>
-                </a:solidFill>
-                <a:latin typeface="Consolas" panose="020B0609020204030204" pitchFamily="49" charset="0"/>
-              </a:rPr>
-              <a:t>    	};</a:t>
-            </a:r>
-          </a:p>
-          <a:p>
-            <a:endParaRPr lang="en-US" dirty="0">
-              <a:solidFill>
-                <a:srgbClr val="000000"/>
-              </a:solidFill>
-              <a:latin typeface="Consolas" panose="020B0609020204030204" pitchFamily="49" charset="0"/>
-            </a:endParaRPr>
-          </a:p>
-          <a:p>
-            <a:r>
-              <a:rPr lang="en-US" dirty="0">
-                <a:solidFill>
-                  <a:srgbClr val="000000"/>
-                </a:solidFill>
-                <a:latin typeface="Consolas" panose="020B0609020204030204" pitchFamily="49" charset="0"/>
-              </a:rPr>
-              <a:t>    </a:t>
-            </a:r>
-            <a:r>
-              <a:rPr lang="en-US" dirty="0">
-                <a:solidFill>
-                  <a:srgbClr val="0000FF"/>
-                </a:solidFill>
-                <a:latin typeface="Consolas" panose="020B0609020204030204" pitchFamily="49" charset="0"/>
-              </a:rPr>
-              <a:t>public</a:t>
-            </a:r>
-            <a:r>
-              <a:rPr lang="en-US" dirty="0">
-                <a:solidFill>
-                  <a:srgbClr val="000000"/>
-                </a:solidFill>
-                <a:latin typeface="Consolas" panose="020B0609020204030204" pitchFamily="49" charset="0"/>
-              </a:rPr>
-              <a:t> </a:t>
-            </a:r>
-            <a:r>
-              <a:rPr lang="en-US" dirty="0" err="1">
-                <a:solidFill>
-                  <a:srgbClr val="2B91AF"/>
-                </a:solidFill>
-                <a:latin typeface="Consolas" panose="020B0609020204030204" pitchFamily="49" charset="0"/>
-              </a:rPr>
-              <a:t>IPerson</a:t>
-            </a:r>
-            <a:r>
-              <a:rPr lang="en-US" dirty="0">
-                <a:solidFill>
-                  <a:srgbClr val="000000"/>
-                </a:solidFill>
-                <a:latin typeface="Consolas" panose="020B0609020204030204" pitchFamily="49" charset="0"/>
-              </a:rPr>
-              <a:t> </a:t>
-            </a:r>
-            <a:r>
-              <a:rPr lang="en-US" dirty="0" err="1">
-                <a:solidFill>
-                  <a:srgbClr val="2B91AF"/>
-                </a:solidFill>
-                <a:latin typeface="Consolas" panose="020B0609020204030204" pitchFamily="49" charset="0"/>
-              </a:rPr>
-              <a:t>GetPerson</a:t>
-            </a:r>
-            <a:r>
-              <a:rPr lang="en-US" dirty="0">
-                <a:solidFill>
-                  <a:srgbClr val="000000"/>
-                </a:solidFill>
-                <a:latin typeface="Consolas" panose="020B0609020204030204" pitchFamily="49" charset="0"/>
-              </a:rPr>
-              <a:t>(</a:t>
-            </a:r>
-            <a:r>
-              <a:rPr lang="en-US" dirty="0" err="1">
-                <a:solidFill>
-                  <a:srgbClr val="2B91AF"/>
-                </a:solidFill>
-                <a:latin typeface="Consolas" panose="020B0609020204030204" pitchFamily="49" charset="0"/>
-              </a:rPr>
-              <a:t>PersonType</a:t>
-            </a:r>
-            <a:r>
-              <a:rPr lang="en-US" dirty="0">
-                <a:solidFill>
-                  <a:srgbClr val="000000"/>
-                </a:solidFill>
-                <a:latin typeface="Consolas" panose="020B0609020204030204" pitchFamily="49" charset="0"/>
-              </a:rPr>
-              <a:t> type)</a:t>
-            </a:r>
-          </a:p>
-          <a:p>
-            <a:r>
-              <a:rPr lang="en-US" dirty="0">
-                <a:solidFill>
-                  <a:srgbClr val="000000"/>
-                </a:solidFill>
-                <a:latin typeface="Consolas" panose="020B0609020204030204" pitchFamily="49" charset="0"/>
-              </a:rPr>
-              <a:t>    {</a:t>
-            </a:r>
-          </a:p>
-          <a:p>
-            <a:r>
-              <a:rPr lang="en-US" dirty="0">
-                <a:solidFill>
-                  <a:srgbClr val="000000"/>
-                </a:solidFill>
-                <a:latin typeface="Consolas" panose="020B0609020204030204" pitchFamily="49" charset="0"/>
-              </a:rPr>
-              <a:t>        </a:t>
-            </a:r>
-            <a:r>
-              <a:rPr lang="en-US" dirty="0">
-                <a:solidFill>
-                  <a:srgbClr val="0000FF"/>
-                </a:solidFill>
-                <a:latin typeface="Consolas" panose="020B0609020204030204" pitchFamily="49" charset="0"/>
-              </a:rPr>
-              <a:t>return</a:t>
-            </a:r>
-            <a:r>
-              <a:rPr lang="en-US" dirty="0">
-                <a:solidFill>
-                  <a:srgbClr val="000000"/>
-                </a:solidFill>
-                <a:latin typeface="Consolas" panose="020B0609020204030204" pitchFamily="49" charset="0"/>
-              </a:rPr>
-              <a:t> _providers[type];</a:t>
-            </a:r>
-          </a:p>
-          <a:p>
-            <a:r>
-              <a:rPr lang="en-US" dirty="0">
-                <a:solidFill>
-                  <a:srgbClr val="000000"/>
-                </a:solidFill>
-                <a:latin typeface="Consolas" panose="020B0609020204030204" pitchFamily="49" charset="0"/>
-              </a:rPr>
-              <a:t>    }</a:t>
-            </a:r>
-          </a:p>
-          <a:p>
-            <a:r>
-              <a:rPr lang="en-US" dirty="0">
-                <a:solidFill>
-                  <a:srgbClr val="000000"/>
-                </a:solidFill>
-                <a:latin typeface="Consolas" panose="020B0609020204030204" pitchFamily="49" charset="0"/>
-              </a:rPr>
-              <a:t>}</a:t>
-            </a:r>
-            <a:endParaRPr lang="en-US" dirty="0"/>
-          </a:p>
-        </p:txBody>
-      </p:sp>
-    </p:spTree>
-    <p:extLst>
-      <p:ext uri="{BB962C8B-B14F-4D97-AF65-F5344CB8AC3E}">
-        <p14:creationId xmlns:p14="http://schemas.microsoft.com/office/powerpoint/2010/main" val="3382380493"/>
-      </p:ext>
-    </p:extLst>
-  </p:cSld>
-  <p:clrMapOvr>
-    <a:masterClrMapping/>
-  </p:clrMapOvr>
-</p:sld>
-</file>
-
-<file path=ppt/slides/slide7.xml><?xml version="1.0" encoding="utf-8"?>
-<p:sld xmlns:a="http://schemas.openxmlformats.org/drawingml/2006/main" xmlns:r="http://schemas.openxmlformats.org/officeDocument/2006/relationships" xmlns:p="http://schemas.openxmlformats.org/presentationml/2006/main">
-  <p:cSld>
-    <p:spTree>
-      <p:nvGrpSpPr>
-        <p:cNvPr id="1" name=""/>
-        <p:cNvGrpSpPr/>
-        <p:nvPr/>
-      </p:nvGrpSpPr>
-      <p:grpSpPr>
-        <a:xfrm>
-          <a:off x="0" y="0"/>
-          <a:ext cx="0" cy="0"/>
-          <a:chOff x="0" y="0"/>
-          <a:chExt cx="0" cy="0"/>
-        </a:xfrm>
-      </p:grpSpPr>
-      <p:sp>
-        <p:nvSpPr>
-          <p:cNvPr id="2" name="Title 1">
-            <a:extLst>
-              <a:ext uri="{FF2B5EF4-FFF2-40B4-BE49-F238E27FC236}">
                 <a16:creationId xmlns:a16="http://schemas.microsoft.com/office/drawing/2014/main" id="{E78DD270-FACC-4F36-BE00-9FD249AE7418}"/>
               </a:ext>
             </a:extLst>
@@ -8769,22 +6626,73 @@
           <a:p>
             <a:r>
               <a:rPr lang="en-US" dirty="0"/>
-              <a:t>Provides hooks for subclasses: Creating objects within a class’ factory method is easier than creating than directly</a:t>
-            </a:r>
-          </a:p>
-          <a:p>
-            <a:endParaRPr lang="en-US" dirty="0"/>
-          </a:p>
-          <a:p>
+              <a:t>Since the </a:t>
+            </a:r>
+            <a:r>
+              <a:rPr lang="en-US" b="1" dirty="0"/>
+              <a:t>Client</a:t>
+            </a:r>
             <a:r>
               <a:rPr lang="en-US" dirty="0"/>
-              <a:t>Connects parallel class hierarchies: </a:t>
-            </a:r>
-            <a:r>
-              <a:rPr lang="en-US" i="1" dirty="0"/>
-              <a:t>see figure ex in book</a:t>
-            </a:r>
-            <a:endParaRPr lang="en-US" dirty="0"/>
+              <a:t> has no explicit knowledge of the </a:t>
+            </a:r>
+            <a:r>
+              <a:rPr lang="en-US" b="1" dirty="0" err="1"/>
+              <a:t>ConcreteHandler</a:t>
+            </a:r>
+            <a:r>
+              <a:rPr lang="en-US" dirty="0"/>
+              <a:t> that will handle it, we decouple the client from any implementation of the </a:t>
+            </a:r>
+            <a:r>
+              <a:rPr lang="en-US" b="1" dirty="0"/>
+              <a:t>Handler</a:t>
+            </a:r>
+            <a:r>
+              <a:rPr lang="en-US" dirty="0"/>
+              <a:t>, we also decouple each </a:t>
+            </a:r>
+            <a:r>
+              <a:rPr lang="en-US" b="1" dirty="0"/>
+              <a:t>Handler</a:t>
+            </a:r>
+            <a:r>
+              <a:rPr lang="en-US" dirty="0"/>
+              <a:t>’s implementation from one another since they have no knowledge of the other </a:t>
+            </a:r>
+            <a:r>
+              <a:rPr lang="en-US" b="1" dirty="0" err="1"/>
+              <a:t>ConcreteHandlers</a:t>
+            </a:r>
+            <a:endParaRPr lang="en-US" b="1" dirty="0"/>
+          </a:p>
+          <a:p>
+            <a:r>
+              <a:rPr lang="en-US" dirty="0"/>
+              <a:t>Receipt isn’t guaranteed, since a request (and the </a:t>
+            </a:r>
+            <a:r>
+              <a:rPr lang="en-US" b="1" dirty="0"/>
+              <a:t>Client</a:t>
+            </a:r>
+            <a:r>
+              <a:rPr lang="en-US" dirty="0"/>
+              <a:t>) have no explicit reference to the receiver, there is no guarantee that the requests won't fall off the end of the chain without a </a:t>
+            </a:r>
+            <a:r>
+              <a:rPr lang="en-US" b="1" dirty="0" err="1"/>
+              <a:t>ConcreteHandler</a:t>
+            </a:r>
+            <a:r>
+              <a:rPr lang="en-US" dirty="0"/>
+              <a:t> taking responsibility for handling it. </a:t>
+            </a:r>
+          </a:p>
+          <a:p>
+            <a:r>
+              <a:rPr lang="en-US" dirty="0"/>
+              <a:t>Can multiple or just one Handler contribute to handling the request? There seems to be conflicting information online</a:t>
+            </a:r>
           </a:p>
         </p:txBody>
       </p:sp>
